--- a/learning/流程引擎断网环境下集成测试的实践/分享/流程引擎断网环境下集成测试的实践.pptx
+++ b/learning/流程引擎断网环境下集成测试的实践/分享/流程引擎断网环境下集成测试的实践.pptx
@@ -5,31 +5,30 @@
     <p:sldMasterId id="2147483660" r:id="rId1"/>
   </p:sldMasterIdLst>
   <p:notesMasterIdLst>
-    <p:notesMasterId r:id="rId21"/>
+    <p:notesMasterId r:id="rId20"/>
   </p:notesMasterIdLst>
   <p:handoutMasterIdLst>
-    <p:handoutMasterId r:id="rId22"/>
+    <p:handoutMasterId r:id="rId21"/>
   </p:handoutMasterIdLst>
   <p:sldIdLst>
     <p:sldId id="266" r:id="rId2"/>
     <p:sldId id="287" r:id="rId3"/>
     <p:sldId id="288" r:id="rId4"/>
     <p:sldId id="289" r:id="rId5"/>
-    <p:sldId id="290" r:id="rId6"/>
-    <p:sldId id="291" r:id="rId7"/>
-    <p:sldId id="292" r:id="rId8"/>
-    <p:sldId id="293" r:id="rId9"/>
-    <p:sldId id="294" r:id="rId10"/>
-    <p:sldId id="295" r:id="rId11"/>
-    <p:sldId id="296" r:id="rId12"/>
-    <p:sldId id="297" r:id="rId13"/>
-    <p:sldId id="298" r:id="rId14"/>
-    <p:sldId id="299" r:id="rId15"/>
-    <p:sldId id="300" r:id="rId16"/>
-    <p:sldId id="301" r:id="rId17"/>
-    <p:sldId id="302" r:id="rId18"/>
-    <p:sldId id="303" r:id="rId19"/>
-    <p:sldId id="304" r:id="rId20"/>
+    <p:sldId id="291" r:id="rId6"/>
+    <p:sldId id="292" r:id="rId7"/>
+    <p:sldId id="295" r:id="rId8"/>
+    <p:sldId id="305" r:id="rId9"/>
+    <p:sldId id="298" r:id="rId10"/>
+    <p:sldId id="299" r:id="rId11"/>
+    <p:sldId id="300" r:id="rId12"/>
+    <p:sldId id="301" r:id="rId13"/>
+    <p:sldId id="296" r:id="rId14"/>
+    <p:sldId id="306" r:id="rId15"/>
+    <p:sldId id="297" r:id="rId16"/>
+    <p:sldId id="302" r:id="rId17"/>
+    <p:sldId id="303" r:id="rId18"/>
+    <p:sldId id="304" r:id="rId19"/>
   </p:sldIdLst>
   <p:sldSz cx="12192000" cy="6858000"/>
   <p:notesSz cx="6858000" cy="9144000"/>
@@ -233,7 +232,7 @@
           <a:p>
             <a:fld id="{700EB4B2-3E24-2640-903D-5CC394B41686}" type="datetimeFigureOut">
               <a:rPr kumimoji="1" lang="zh-CN" altLang="en-US" smtClean="0"/>
-              <a:t>2022/2/12</a:t>
+              <a:t>2022/2/21</a:t>
             </a:fld>
             <a:endParaRPr kumimoji="1" lang="zh-CN" altLang="en-US"/>
           </a:p>
@@ -410,7 +409,7 @@
           <a:p>
             <a:fld id="{A65F9627-3C60-D447-9325-1C07DB8472C3}" type="datetimeFigureOut">
               <a:rPr kumimoji="1" lang="zh-CN" altLang="en-US" smtClean="0"/>
-              <a:t>2022/2/12</a:t>
+              <a:t>2022/2/21</a:t>
             </a:fld>
             <a:endParaRPr kumimoji="1" lang="zh-CN" altLang="en-US"/>
           </a:p>
@@ -1355,7 +1354,7 @@
           <a:p>
             <a:fld id="{7D4DE4AB-7959-4BB6-B551-E3080EF2268D}" type="datetimeFigureOut">
               <a:rPr lang="zh-CN" altLang="en-US" smtClean="0"/>
-              <a:t>2022/2/12</a:t>
+              <a:t>2022/2/21</a:t>
             </a:fld>
             <a:endParaRPr lang="zh-CN" altLang="en-US"/>
           </a:p>
@@ -2130,17 +2129,37 @@
           <a:p>
             <a:r>
               <a:rPr lang="zh-CN" altLang="en-US" sz="3200" dirty="0"/>
-              <a:t>写测试最佳实践</a:t>
-            </a:r>
+              <a:t>公司</a:t>
+            </a:r>
+            <a:r>
+              <a:rPr lang="en-US" altLang="zh-CN" sz="3200" dirty="0"/>
+              <a:t>Spring Boot</a:t>
+            </a:r>
+            <a:r>
+              <a:rPr lang="zh-CN" altLang="en-US" sz="3200" dirty="0"/>
+              <a:t>应用启动流程 </a:t>
+            </a:r>
+            <a:r>
+              <a:rPr lang="en-US" altLang="zh-CN" sz="3200" dirty="0"/>
+              <a:t>- </a:t>
+            </a:r>
+            <a:r>
+              <a:rPr lang="zh-CN" altLang="en-US" sz="3200" b="1" dirty="0"/>
+              <a:t>加载配置</a:t>
+            </a:r>
+            <a:br>
+              <a:rPr lang="en-US" altLang="zh-CN" sz="3200" b="1" dirty="0"/>
+            </a:br>
+            <a:endParaRPr lang="zh-CN" altLang="en-US" sz="3200" dirty="0"/>
           </a:p>
         </p:txBody>
       </p:sp>
       <p:sp>
         <p:nvSpPr>
-          <p:cNvPr id="4" name="文本框 3">
+          <p:cNvPr id="9" name="文本框 8">
             <a:extLst>
               <a:ext uri="{FF2B5EF4-FFF2-40B4-BE49-F238E27FC236}">
-                <a16:creationId xmlns:a16="http://schemas.microsoft.com/office/drawing/2014/main" id="{FFC60129-3D0D-4884-95A5-D99DB37DC724}"/>
+                <a16:creationId xmlns:a16="http://schemas.microsoft.com/office/drawing/2014/main" id="{61858563-9BA1-474D-912D-FD83053C3A7E}"/>
               </a:ext>
             </a:extLst>
           </p:cNvPr>
@@ -2149,8 +2168,8 @@
         </p:nvSpPr>
         <p:spPr>
           <a:xfrm>
-            <a:off x="649472" y="1468766"/>
-            <a:ext cx="10893055" cy="4401205"/>
+            <a:off x="669850" y="1652708"/>
+            <a:ext cx="10728251" cy="954107"/>
           </a:xfrm>
           <a:prstGeom prst="rect">
             <a:avLst/>
@@ -2164,114 +2183,199 @@
           <a:lstStyle/>
           <a:p>
             <a:r>
+              <a:rPr lang="zh-CN" altLang="en-US" sz="2800" dirty="0"/>
+              <a:t>基于演示项目 </a:t>
+            </a:r>
+            <a:r>
+              <a:rPr lang="en-US" altLang="zh-CN" sz="2800" dirty="0" err="1">
+                <a:hlinkClick r:id="rId2"/>
+              </a:rPr>
+              <a:t>bitkylin</a:t>
+            </a:r>
+            <a:r>
+              <a:rPr lang="en-US" altLang="zh-CN" sz="2800" dirty="0">
+                <a:hlinkClick r:id="rId2"/>
+              </a:rPr>
+              <a:t>-spring-boot</a:t>
+            </a:r>
+            <a:r>
+              <a:rPr lang="zh-CN" altLang="en-US" sz="2800" dirty="0"/>
+              <a:t>，回顾</a:t>
+            </a:r>
+            <a:r>
+              <a:rPr lang="en-US" altLang="zh-CN" sz="2800" dirty="0"/>
+              <a:t>Spring Boot</a:t>
+            </a:r>
+            <a:r>
+              <a:rPr lang="zh-CN" altLang="en-US" sz="2800" dirty="0"/>
+              <a:t>应用启动流程，</a:t>
+            </a:r>
+            <a:endParaRPr lang="en-US" altLang="zh-CN" sz="2800" dirty="0"/>
+          </a:p>
+          <a:p>
+            <a:r>
+              <a:rPr lang="en-US" altLang="zh-CN" sz="2800" dirty="0"/>
+              <a:t>Spring SPI</a:t>
+            </a:r>
+            <a:r>
+              <a:rPr lang="zh-CN" altLang="en-US" sz="2800" dirty="0"/>
+              <a:t>机制。</a:t>
+            </a:r>
+          </a:p>
+        </p:txBody>
+      </p:sp>
+      <p:sp>
+        <p:nvSpPr>
+          <p:cNvPr id="5" name="文本框 4">
+            <a:extLst>
+              <a:ext uri="{FF2B5EF4-FFF2-40B4-BE49-F238E27FC236}">
+                <a16:creationId xmlns:a16="http://schemas.microsoft.com/office/drawing/2014/main" id="{8C1A2279-D518-4771-AC4D-6BE3C22B9F9D}"/>
+              </a:ext>
+            </a:extLst>
+          </p:cNvPr>
+          <p:cNvSpPr txBox="1"/>
+          <p:nvPr/>
+        </p:nvSpPr>
+        <p:spPr>
+          <a:xfrm>
+            <a:off x="669850" y="3101803"/>
+            <a:ext cx="10559901" cy="2246769"/>
+          </a:xfrm>
+          <a:prstGeom prst="rect">
+            <a:avLst/>
+          </a:prstGeom>
+          <a:noFill/>
+        </p:spPr>
+        <p:txBody>
+          <a:bodyPr wrap="square">
+            <a:spAutoFit/>
+          </a:bodyPr>
+          <a:lstStyle/>
+          <a:p>
+            <a:r>
+              <a:rPr lang="zh-CN" altLang="en-US" sz="2800" b="1" dirty="0"/>
+              <a:t>公司</a:t>
+            </a:r>
+            <a:r>
               <a:rPr lang="en-US" altLang="zh-CN" sz="2800" b="1" dirty="0"/>
-              <a:t>1. </a:t>
+              <a:t>Spring Boot</a:t>
             </a:r>
             <a:r>
               <a:rPr lang="zh-CN" altLang="en-US" sz="2800" b="1" dirty="0"/>
-              <a:t>我们测试的目标是我们的代码，而不是外部依赖</a:t>
-            </a:r>
+              <a:t>应用启动流程</a:t>
+            </a:r>
+            <a:endParaRPr lang="en-US" altLang="zh-CN" sz="2800" b="1" dirty="0"/>
+          </a:p>
+          <a:p>
+            <a:endParaRPr lang="en-US" altLang="zh-CN" sz="2800" dirty="0"/>
+          </a:p>
+          <a:p>
+            <a:r>
+              <a:rPr lang="zh-CN" altLang="en-US" sz="2800" dirty="0"/>
+              <a:t>1. 基于Spring SPI机制，加载 </a:t>
+            </a:r>
+            <a:r>
+              <a:rPr lang="zh-CN" altLang="en-US" sz="2800" dirty="0">
+                <a:solidFill>
+                  <a:srgbClr val="FF0000"/>
+                </a:solidFill>
+              </a:rPr>
+              <a:t>「系统配置</a:t>
+            </a:r>
+            <a:r>
+              <a:rPr lang="en-US" altLang="zh-CN" sz="2800" dirty="0">
+                <a:solidFill>
+                  <a:srgbClr val="FF0000"/>
+                </a:solidFill>
+              </a:rPr>
+              <a:t>『</a:t>
+            </a:r>
+            <a:r>
+              <a:rPr lang="en-US" altLang="zh-CN" sz="2800" dirty="0" err="1">
+                <a:solidFill>
+                  <a:srgbClr val="FF0000"/>
+                </a:solidFill>
+              </a:rPr>
+              <a:t>Proplus</a:t>
+            </a:r>
+            <a:r>
+              <a:rPr lang="en-US" altLang="zh-CN" sz="2800" dirty="0">
+                <a:solidFill>
+                  <a:srgbClr val="FF0000"/>
+                </a:solidFill>
+              </a:rPr>
+              <a:t>』</a:t>
+            </a:r>
+            <a:r>
+              <a:rPr lang="zh-CN" altLang="en-US" sz="2800" dirty="0">
+                <a:solidFill>
+                  <a:srgbClr val="FF0000"/>
+                </a:solidFill>
+              </a:rPr>
+              <a:t>」</a:t>
+            </a:r>
+            <a:endParaRPr lang="en-US" altLang="zh-CN" sz="2800" dirty="0">
+              <a:solidFill>
+                <a:srgbClr val="FF0000"/>
+              </a:solidFill>
+            </a:endParaRPr>
+          </a:p>
+          <a:p>
             <a:endParaRPr lang="zh-CN" altLang="en-US" sz="2800" dirty="0"/>
           </a:p>
           <a:p>
             <a:r>
               <a:rPr lang="zh-CN" altLang="en-US" sz="2800" dirty="0"/>
-              <a:t>由于其它程序库「</a:t>
-            </a:r>
-            <a:r>
-              <a:rPr lang="en-US" altLang="zh-CN" sz="2800" dirty="0"/>
-              <a:t>JDK</a:t>
-            </a:r>
-            <a:r>
-              <a:rPr lang="zh-CN" altLang="en-US" sz="2800" dirty="0"/>
-              <a:t>、二方库、三方库、</a:t>
-            </a:r>
-            <a:r>
-              <a:rPr lang="en-US" altLang="zh-CN" sz="2800" dirty="0"/>
-              <a:t>RPC</a:t>
-            </a:r>
-            <a:r>
-              <a:rPr lang="zh-CN" altLang="en-US" sz="2800" dirty="0"/>
-              <a:t>等」造成难以测试的问题，我们可以做一层层薄薄的封装，然后，在覆盖率检查中忽略它。封装和忽略，缺一不可。</a:t>
-            </a:r>
-          </a:p>
-          <a:p>
+              <a:t>2. 基于Spring SPI机制，加载</a:t>
+            </a:r>
+            <a:r>
+              <a:rPr lang="zh-CN" altLang="en-US" sz="2800" dirty="0">
+                <a:solidFill>
+                  <a:srgbClr val="FF0000"/>
+                </a:solidFill>
+              </a:rPr>
+              <a:t>「简单业务配置</a:t>
+            </a:r>
+            <a:r>
+              <a:rPr lang="en-US" altLang="zh-CN" sz="2800" dirty="0">
+                <a:solidFill>
+                  <a:srgbClr val="FF0000"/>
+                </a:solidFill>
+              </a:rPr>
+              <a:t>『</a:t>
+            </a:r>
+            <a:r>
+              <a:rPr lang="en-US" altLang="zh-CN" sz="2800" dirty="0" err="1">
+                <a:solidFill>
+                  <a:srgbClr val="FF0000"/>
+                </a:solidFill>
+              </a:rPr>
+              <a:t>Confplus</a:t>
+            </a:r>
+            <a:r>
+              <a:rPr lang="en-US" altLang="zh-CN" sz="2800" dirty="0">
+                <a:solidFill>
+                  <a:srgbClr val="FF0000"/>
+                </a:solidFill>
+              </a:rPr>
+              <a:t>』</a:t>
+            </a:r>
+            <a:r>
+              <a:rPr lang="zh-CN" altLang="en-US" sz="2800" dirty="0">
+                <a:solidFill>
+                  <a:srgbClr val="FF0000"/>
+                </a:solidFill>
+              </a:rPr>
+              <a:t>」</a:t>
+            </a:r>
             <a:endParaRPr lang="zh-CN" altLang="en-US" sz="2800" dirty="0"/>
-          </a:p>
-          <a:p>
-            <a:r>
-              <a:rPr lang="en-US" altLang="zh-CN" sz="2800" b="1" dirty="0"/>
-              <a:t>2. </a:t>
-            </a:r>
-            <a:r>
-              <a:rPr lang="zh-CN" altLang="en-US" sz="2800" b="1" dirty="0"/>
-              <a:t>编写可测试的代码</a:t>
-            </a:r>
-            <a:endParaRPr lang="zh-CN" altLang="en-US" sz="2800" dirty="0"/>
-          </a:p>
-          <a:p>
-            <a:pPr marL="457200" indent="-457200">
-              <a:buFont typeface="Arial" panose="020B0604020202020204" pitchFamily="34" charset="0"/>
-              <a:buChar char="•"/>
-            </a:pPr>
-            <a:r>
-              <a:rPr lang="zh-CN" altLang="en-US" sz="2800" b="1" dirty="0"/>
-              <a:t>让自己的代码符合软件设计原则。</a:t>
-            </a:r>
-          </a:p>
-          <a:p>
-            <a:pPr marL="457200" indent="-457200">
-              <a:buFont typeface="Arial" panose="020B0604020202020204" pitchFamily="34" charset="0"/>
-              <a:buChar char="•"/>
-            </a:pPr>
-            <a:r>
-              <a:rPr lang="zh-CN" altLang="en-US" sz="2800" b="1" dirty="0"/>
-              <a:t>编写可组合的代码。</a:t>
-            </a:r>
-            <a:endParaRPr lang="en-US" altLang="zh-CN" sz="2800" b="1" dirty="0"/>
-          </a:p>
-          <a:p>
-            <a:r>
-              <a:rPr lang="zh-CN" altLang="en-US" sz="2800" dirty="0"/>
-              <a:t>  </a:t>
-            </a:r>
-            <a:r>
-              <a:rPr lang="en-US" altLang="zh-CN" sz="2800" dirty="0"/>
-              <a:t>- </a:t>
-            </a:r>
-            <a:r>
-              <a:rPr lang="zh-CN" altLang="en-US" sz="2800" dirty="0"/>
-              <a:t>不要在组件内部去创建对象，组件组装使用依赖注入。</a:t>
-            </a:r>
-          </a:p>
-          <a:p>
-            <a:r>
-              <a:rPr lang="zh-CN" altLang="en-US" sz="2800" dirty="0"/>
-              <a:t>  </a:t>
-            </a:r>
-            <a:r>
-              <a:rPr lang="en-US" altLang="zh-CN" sz="2800" dirty="0"/>
-              <a:t>- </a:t>
-            </a:r>
-            <a:r>
-              <a:rPr lang="zh-CN" altLang="en-US" sz="2800" dirty="0"/>
-              <a:t>构造器注入 </a:t>
-            </a:r>
-            <a:r>
-              <a:rPr lang="en-US" altLang="zh-CN" sz="2800" dirty="0"/>
-              <a:t>VS </a:t>
-            </a:r>
-            <a:r>
-              <a:rPr lang="zh-CN" altLang="en-US" sz="2800" dirty="0"/>
-              <a:t>字段注入</a:t>
-            </a:r>
           </a:p>
         </p:txBody>
       </p:sp>
     </p:spTree>
     <p:extLst>
       <p:ext uri="{BB962C8B-B14F-4D97-AF65-F5344CB8AC3E}">
-        <p14:creationId xmlns:p14="http://schemas.microsoft.com/office/powerpoint/2010/main" val="2629419828"/>
+        <p14:creationId xmlns:p14="http://schemas.microsoft.com/office/powerpoint/2010/main" val="2766774303"/>
       </p:ext>
     </p:extLst>
   </p:cSld>
@@ -2321,6 +2425,479 @@
           <a:p>
             <a:r>
               <a:rPr lang="zh-CN" altLang="en-US" sz="3200" dirty="0"/>
+              <a:t>配置中心原理分析 </a:t>
+            </a:r>
+            <a:r>
+              <a:rPr lang="en-US" altLang="zh-CN" sz="3200" dirty="0"/>
+              <a:t>- </a:t>
+            </a:r>
+            <a:r>
+              <a:rPr lang="zh-CN" altLang="en-US" sz="3200" b="1" dirty="0"/>
+              <a:t>系统配置</a:t>
+            </a:r>
+          </a:p>
+        </p:txBody>
+      </p:sp>
+      <p:sp>
+        <p:nvSpPr>
+          <p:cNvPr id="5" name="文本框 4">
+            <a:extLst>
+              <a:ext uri="{FF2B5EF4-FFF2-40B4-BE49-F238E27FC236}">
+                <a16:creationId xmlns:a16="http://schemas.microsoft.com/office/drawing/2014/main" id="{8C1A2279-D518-4771-AC4D-6BE3C22B9F9D}"/>
+              </a:ext>
+            </a:extLst>
+          </p:cNvPr>
+          <p:cNvSpPr txBox="1"/>
+          <p:nvPr/>
+        </p:nvSpPr>
+        <p:spPr>
+          <a:xfrm>
+            <a:off x="552894" y="1226979"/>
+            <a:ext cx="10845208" cy="4939814"/>
+          </a:xfrm>
+          <a:prstGeom prst="rect">
+            <a:avLst/>
+          </a:prstGeom>
+          <a:noFill/>
+        </p:spPr>
+        <p:txBody>
+          <a:bodyPr wrap="square">
+            <a:spAutoFit/>
+          </a:bodyPr>
+          <a:lstStyle/>
+          <a:p>
+            <a:r>
+              <a:rPr lang="en-US" altLang="zh-CN" sz="2800" dirty="0"/>
+              <a:t>1. </a:t>
+            </a:r>
+            <a:r>
+              <a:rPr lang="zh-CN" altLang="en-US" sz="2800" dirty="0"/>
+              <a:t>从</a:t>
+            </a:r>
+            <a:r>
+              <a:rPr lang="en-US" altLang="zh-CN" sz="2800" dirty="0" err="1"/>
+              <a:t>configservice</a:t>
+            </a:r>
+            <a:r>
+              <a:rPr lang="zh-CN" altLang="en-US" sz="2800" dirty="0"/>
+              <a:t>中读取配置「系统配置</a:t>
+            </a:r>
+            <a:r>
+              <a:rPr lang="en-US" altLang="zh-CN" sz="2800" dirty="0"/>
+              <a:t>『</a:t>
+            </a:r>
+            <a:r>
+              <a:rPr lang="en-US" altLang="zh-CN" sz="2800" dirty="0" err="1"/>
+              <a:t>proplus</a:t>
+            </a:r>
+            <a:r>
+              <a:rPr lang="en-US" altLang="zh-CN" sz="2800" dirty="0"/>
+              <a:t>』</a:t>
+            </a:r>
+            <a:r>
+              <a:rPr lang="zh-CN" altLang="en-US" sz="2800" dirty="0"/>
+              <a:t>」</a:t>
+            </a:r>
+          </a:p>
+          <a:p>
+            <a:endParaRPr lang="en-US" altLang="zh-CN" sz="2800" b="1" dirty="0"/>
+          </a:p>
+          <a:p>
+            <a:r>
+              <a:rPr lang="en-US" altLang="zh-CN" sz="2800" b="1" dirty="0" err="1"/>
+              <a:t>SysConfigListener</a:t>
+            </a:r>
+            <a:endParaRPr lang="en-US" altLang="zh-CN" sz="2800" b="1" dirty="0"/>
+          </a:p>
+          <a:p>
+            <a:endParaRPr lang="zh-CN" altLang="en-US" sz="2800" dirty="0"/>
+          </a:p>
+          <a:p>
+            <a:pPr marL="514350" indent="-514350">
+              <a:spcBef>
+                <a:spcPts val="600"/>
+              </a:spcBef>
+              <a:spcAft>
+                <a:spcPts val="600"/>
+              </a:spcAft>
+              <a:buFont typeface="+mj-lt"/>
+              <a:buAutoNum type="arabicPeriod"/>
+            </a:pPr>
+            <a:r>
+              <a:rPr lang="zh-CN" altLang="en-US" sz="2800" dirty="0"/>
+              <a:t>远端加载系统配置</a:t>
+            </a:r>
+          </a:p>
+          <a:p>
+            <a:pPr marL="514350" indent="-514350">
+              <a:spcBef>
+                <a:spcPts val="600"/>
+              </a:spcBef>
+              <a:spcAft>
+                <a:spcPts val="600"/>
+              </a:spcAft>
+              <a:buFont typeface="+mj-lt"/>
+              <a:buAutoNum type="arabicPeriod"/>
+            </a:pPr>
+            <a:r>
+              <a:rPr lang="zh-CN" altLang="en-US" sz="2800" dirty="0"/>
+              <a:t>存入</a:t>
+            </a:r>
+            <a:r>
+              <a:rPr lang="en-US" altLang="zh-CN" sz="2800" dirty="0" err="1"/>
+              <a:t>ConfigService</a:t>
+            </a:r>
+            <a:r>
+              <a:rPr lang="zh-CN" altLang="en-US" sz="2800" dirty="0"/>
+              <a:t>，处理系统配置热更新相关事宜「系统配置热更新本集成测试不涉及」</a:t>
+            </a:r>
+          </a:p>
+          <a:p>
+            <a:pPr marL="514350" indent="-514350">
+              <a:spcBef>
+                <a:spcPts val="600"/>
+              </a:spcBef>
+              <a:spcAft>
+                <a:spcPts val="600"/>
+              </a:spcAft>
+              <a:buFont typeface="+mj-lt"/>
+              <a:buAutoNum type="arabicPeriod"/>
+            </a:pPr>
+            <a:r>
+              <a:rPr lang="zh-CN" altLang="en-US" sz="2800" dirty="0"/>
+              <a:t>远端系统配置和本地配置文件合并「优先级：</a:t>
+            </a:r>
+            <a:r>
+              <a:rPr lang="en-US" altLang="zh-CN" sz="2800" dirty="0"/>
+              <a:t>`application-</a:t>
+            </a:r>
+            <a:r>
+              <a:rPr lang="en-US" altLang="zh-CN" sz="2800" dirty="0" err="1"/>
+              <a:t>local.properties</a:t>
+            </a:r>
+            <a:r>
+              <a:rPr lang="en-US" altLang="zh-CN" sz="2800" dirty="0"/>
+              <a:t>` &gt; </a:t>
+            </a:r>
+            <a:r>
+              <a:rPr lang="zh-CN" altLang="en-US" sz="2800" dirty="0"/>
+              <a:t>远端系统配置 </a:t>
+            </a:r>
+            <a:r>
+              <a:rPr lang="en-US" altLang="zh-CN" sz="2800" dirty="0"/>
+              <a:t>&gt; `</a:t>
+            </a:r>
+            <a:r>
+              <a:rPr lang="en-US" altLang="zh-CN" sz="2800" dirty="0" err="1"/>
+              <a:t>application.properties</a:t>
+            </a:r>
+            <a:r>
+              <a:rPr lang="en-US" altLang="zh-CN" sz="2800" dirty="0"/>
+              <a:t>` </a:t>
+            </a:r>
+            <a:r>
+              <a:rPr lang="zh-CN" altLang="en-US" sz="2800" dirty="0"/>
+              <a:t>」</a:t>
+            </a:r>
+          </a:p>
+          <a:p>
+            <a:pPr marL="514350" indent="-514350">
+              <a:spcBef>
+                <a:spcPts val="600"/>
+              </a:spcBef>
+              <a:spcAft>
+                <a:spcPts val="600"/>
+              </a:spcAft>
+              <a:buFont typeface="+mj-lt"/>
+              <a:buAutoNum type="arabicPeriod"/>
+            </a:pPr>
+            <a:r>
+              <a:rPr lang="zh-CN" altLang="en-US" sz="2800" dirty="0"/>
+              <a:t>合并后的 </a:t>
+            </a:r>
+            <a:r>
+              <a:rPr lang="en-US" altLang="zh-CN" sz="2800" dirty="0"/>
+              <a:t>`</a:t>
+            </a:r>
+            <a:r>
+              <a:rPr lang="en-US" altLang="zh-CN" sz="2800" dirty="0" err="1"/>
+              <a:t>PropertySource</a:t>
+            </a:r>
+            <a:r>
+              <a:rPr lang="en-US" altLang="zh-CN" sz="2800" dirty="0"/>
+              <a:t>` </a:t>
+            </a:r>
+            <a:r>
+              <a:rPr lang="zh-CN" altLang="en-US" sz="2800" dirty="0"/>
+              <a:t>作为 </a:t>
+            </a:r>
+            <a:r>
+              <a:rPr lang="en-US" altLang="zh-CN" sz="2800" dirty="0"/>
+              <a:t>Spring Boot </a:t>
+            </a:r>
+            <a:r>
+              <a:rPr lang="zh-CN" altLang="en-US" sz="2800" dirty="0"/>
+              <a:t>优先级最高的配置源</a:t>
+            </a:r>
+          </a:p>
+        </p:txBody>
+      </p:sp>
+    </p:spTree>
+    <p:extLst>
+      <p:ext uri="{BB962C8B-B14F-4D97-AF65-F5344CB8AC3E}">
+        <p14:creationId xmlns:p14="http://schemas.microsoft.com/office/powerpoint/2010/main" val="1710918519"/>
+      </p:ext>
+    </p:extLst>
+  </p:cSld>
+  <p:clrMapOvr>
+    <a:masterClrMapping/>
+  </p:clrMapOvr>
+</p:sld>
+</file>
+
+<file path=ppt/slides/slide12.xml><?xml version="1.0" encoding="utf-8"?>
+<p:sld xmlns:a="http://schemas.openxmlformats.org/drawingml/2006/main" xmlns:r="http://schemas.openxmlformats.org/officeDocument/2006/relationships" xmlns:p="http://schemas.openxmlformats.org/presentationml/2006/main">
+  <p:cSld>
+    <p:spTree>
+      <p:nvGrpSpPr>
+        <p:cNvPr id="1" name=""/>
+        <p:cNvGrpSpPr/>
+        <p:nvPr/>
+      </p:nvGrpSpPr>
+      <p:grpSpPr>
+        <a:xfrm>
+          <a:off x="0" y="0"/>
+          <a:ext cx="0" cy="0"/>
+          <a:chOff x="0" y="0"/>
+          <a:chExt cx="0" cy="0"/>
+        </a:xfrm>
+      </p:grpSpPr>
+      <p:sp>
+        <p:nvSpPr>
+          <p:cNvPr id="2" name="标题 1">
+            <a:extLst>
+              <a:ext uri="{FF2B5EF4-FFF2-40B4-BE49-F238E27FC236}">
+                <a16:creationId xmlns:a16="http://schemas.microsoft.com/office/drawing/2014/main" id="{35F0ACFF-60AB-4ACD-840E-BB2487271F91}"/>
+              </a:ext>
+            </a:extLst>
+          </p:cNvPr>
+          <p:cNvSpPr>
+            <a:spLocks noGrp="1"/>
+          </p:cNvSpPr>
+          <p:nvPr>
+            <p:ph type="title"/>
+          </p:nvPr>
+        </p:nvSpPr>
+        <p:spPr/>
+        <p:txBody>
+          <a:bodyPr/>
+          <a:lstStyle/>
+          <a:p>
+            <a:r>
+              <a:rPr lang="zh-CN" altLang="en-US" sz="3200" dirty="0"/>
+              <a:t>配置中心原理分析 </a:t>
+            </a:r>
+            <a:r>
+              <a:rPr lang="en-US" altLang="zh-CN" sz="3200" dirty="0"/>
+              <a:t>– </a:t>
+            </a:r>
+            <a:r>
+              <a:rPr lang="zh-CN" altLang="en-US" sz="3200" b="1" dirty="0"/>
+              <a:t>简单业务配置</a:t>
+            </a:r>
+          </a:p>
+        </p:txBody>
+      </p:sp>
+      <p:sp>
+        <p:nvSpPr>
+          <p:cNvPr id="5" name="文本框 4">
+            <a:extLst>
+              <a:ext uri="{FF2B5EF4-FFF2-40B4-BE49-F238E27FC236}">
+                <a16:creationId xmlns:a16="http://schemas.microsoft.com/office/drawing/2014/main" id="{8C1A2279-D518-4771-AC4D-6BE3C22B9F9D}"/>
+              </a:ext>
+            </a:extLst>
+          </p:cNvPr>
+          <p:cNvSpPr txBox="1"/>
+          <p:nvPr/>
+        </p:nvSpPr>
+        <p:spPr>
+          <a:xfrm>
+            <a:off x="552894" y="1226979"/>
+            <a:ext cx="10845208" cy="4893647"/>
+          </a:xfrm>
+          <a:prstGeom prst="rect">
+            <a:avLst/>
+          </a:prstGeom>
+          <a:noFill/>
+        </p:spPr>
+        <p:txBody>
+          <a:bodyPr wrap="square">
+            <a:spAutoFit/>
+          </a:bodyPr>
+          <a:lstStyle/>
+          <a:p>
+            <a:r>
+              <a:rPr lang="en-US" altLang="zh-CN" sz="2800" b="1" dirty="0" err="1"/>
+              <a:t>SimBusiness</a:t>
+            </a:r>
+            <a:endParaRPr lang="en-US" altLang="zh-CN" sz="2800" dirty="0"/>
+          </a:p>
+          <a:p>
+            <a:pPr>
+              <a:spcAft>
+                <a:spcPts val="1800"/>
+              </a:spcAft>
+            </a:pPr>
+            <a:r>
+              <a:rPr lang="en-US" altLang="zh-CN" sz="2800" dirty="0"/>
+              <a:t>1. </a:t>
+            </a:r>
+            <a:r>
+              <a:rPr lang="zh-CN" altLang="en-US" sz="2800" dirty="0"/>
+              <a:t>基于</a:t>
+            </a:r>
+            <a:r>
+              <a:rPr lang="en-US" altLang="zh-CN" sz="2800" dirty="0"/>
+              <a:t>Spring SPI</a:t>
+            </a:r>
+            <a:r>
+              <a:rPr lang="zh-CN" altLang="en-US" sz="2800" dirty="0"/>
+              <a:t>机制，加载 </a:t>
+            </a:r>
+            <a:r>
+              <a:rPr lang="en-US" altLang="zh-CN" sz="2800" dirty="0" err="1"/>
+              <a:t>SimbusinessStarterAutoConfiguration</a:t>
+            </a:r>
+            <a:r>
+              <a:rPr lang="en-US" altLang="zh-CN" sz="2800" dirty="0"/>
+              <a:t> -&gt; </a:t>
+            </a:r>
+            <a:r>
+              <a:rPr lang="en-US" altLang="zh-CN" sz="2800" dirty="0" err="1"/>
+              <a:t>SimbusinessPostProcessor</a:t>
+            </a:r>
+            <a:endParaRPr lang="en-US" altLang="zh-CN" sz="2800" dirty="0"/>
+          </a:p>
+          <a:p>
+            <a:pPr>
+              <a:spcAft>
+                <a:spcPts val="1800"/>
+              </a:spcAft>
+            </a:pPr>
+            <a:r>
+              <a:rPr lang="en-US" altLang="zh-CN" sz="2800" dirty="0"/>
+              <a:t>2. </a:t>
+            </a:r>
+            <a:r>
+              <a:rPr lang="zh-CN" altLang="en-US" sz="2800" dirty="0"/>
+              <a:t>调用方法，</a:t>
+            </a:r>
+            <a:r>
+              <a:rPr lang="en-US" altLang="zh-CN" sz="2800" dirty="0" err="1"/>
+              <a:t>AbstractConfigEntrypointProcessor#postProcessBeanFactory</a:t>
+            </a:r>
+            <a:r>
+              <a:rPr lang="zh-CN" altLang="en-US" sz="2800" dirty="0"/>
+              <a:t>，将配置从远端拉到本地。</a:t>
+            </a:r>
+          </a:p>
+          <a:p>
+            <a:pPr>
+              <a:spcAft>
+                <a:spcPts val="1800"/>
+              </a:spcAft>
+            </a:pPr>
+            <a:r>
+              <a:rPr lang="zh-CN" altLang="en-US" sz="2800" b="1" dirty="0"/>
+              <a:t>作用</a:t>
+            </a:r>
+            <a:endParaRPr lang="en-US" altLang="zh-CN" sz="2800" b="1" dirty="0"/>
+          </a:p>
+          <a:p>
+            <a:pPr>
+              <a:spcAft>
+                <a:spcPts val="1800"/>
+              </a:spcAft>
+            </a:pPr>
+            <a:r>
+              <a:rPr lang="en-US" altLang="zh-CN" sz="2800" dirty="0"/>
+              <a:t>1. </a:t>
+            </a:r>
+            <a:r>
+              <a:rPr lang="zh-CN" altLang="en-US" sz="2800" dirty="0"/>
+              <a:t>全量拉取远端业务配置</a:t>
+            </a:r>
+          </a:p>
+          <a:p>
+            <a:pPr>
+              <a:spcAft>
+                <a:spcPts val="1800"/>
+              </a:spcAft>
+            </a:pPr>
+            <a:r>
+              <a:rPr lang="en-US" altLang="zh-CN" sz="2800" dirty="0"/>
+              <a:t>2. </a:t>
+            </a:r>
+            <a:r>
+              <a:rPr lang="zh-CN" altLang="en-US" sz="2800" dirty="0"/>
+              <a:t>设定定时任务，周期性更新本地业务配置。</a:t>
+            </a:r>
+          </a:p>
+        </p:txBody>
+      </p:sp>
+    </p:spTree>
+    <p:extLst>
+      <p:ext uri="{BB962C8B-B14F-4D97-AF65-F5344CB8AC3E}">
+        <p14:creationId xmlns:p14="http://schemas.microsoft.com/office/powerpoint/2010/main" val="4269569790"/>
+      </p:ext>
+    </p:extLst>
+  </p:cSld>
+  <p:clrMapOvr>
+    <a:masterClrMapping/>
+  </p:clrMapOvr>
+</p:sld>
+</file>
+
+<file path=ppt/slides/slide13.xml><?xml version="1.0" encoding="utf-8"?>
+<p:sld xmlns:a="http://schemas.openxmlformats.org/drawingml/2006/main" xmlns:r="http://schemas.openxmlformats.org/officeDocument/2006/relationships" xmlns:p="http://schemas.openxmlformats.org/presentationml/2006/main">
+  <p:cSld>
+    <p:spTree>
+      <p:nvGrpSpPr>
+        <p:cNvPr id="1" name=""/>
+        <p:cNvGrpSpPr/>
+        <p:nvPr/>
+      </p:nvGrpSpPr>
+      <p:grpSpPr>
+        <a:xfrm>
+          <a:off x="0" y="0"/>
+          <a:ext cx="0" cy="0"/>
+          <a:chOff x="0" y="0"/>
+          <a:chExt cx="0" cy="0"/>
+        </a:xfrm>
+      </p:grpSpPr>
+      <p:sp>
+        <p:nvSpPr>
+          <p:cNvPr id="2" name="标题 1">
+            <a:extLst>
+              <a:ext uri="{FF2B5EF4-FFF2-40B4-BE49-F238E27FC236}">
+                <a16:creationId xmlns:a16="http://schemas.microsoft.com/office/drawing/2014/main" id="{35F0ACFF-60AB-4ACD-840E-BB2487271F91}"/>
+              </a:ext>
+            </a:extLst>
+          </p:cNvPr>
+          <p:cNvSpPr>
+            <a:spLocks noGrp="1"/>
+          </p:cNvSpPr>
+          <p:nvPr>
+            <p:ph type="title"/>
+          </p:nvPr>
+        </p:nvSpPr>
+        <p:spPr/>
+        <p:txBody>
+          <a:bodyPr/>
+          <a:lstStyle/>
+          <a:p>
+            <a:r>
+              <a:rPr lang="zh-CN" altLang="en-US" sz="3200" dirty="0"/>
               <a:t>技术选型分析 </a:t>
             </a:r>
             <a:r>
@@ -2349,7 +2926,7 @@
         <p:spPr>
           <a:xfrm>
             <a:off x="649472" y="1468766"/>
-            <a:ext cx="10893055" cy="4401205"/>
+            <a:ext cx="10893055" cy="3970318"/>
           </a:xfrm>
           <a:prstGeom prst="rect">
             <a:avLst/>
@@ -2364,38 +2941,24 @@
           <a:p>
             <a:r>
               <a:rPr lang="zh-CN" altLang="en-US" sz="2800" dirty="0"/>
-              <a:t>做测试，本质上就是在一个可控的环境下对被测系统 </a:t>
-            </a:r>
-            <a:r>
-              <a:rPr lang="en-US" altLang="zh-CN" sz="2800" dirty="0"/>
-              <a:t>/ </a:t>
-            </a:r>
-            <a:r>
-              <a:rPr lang="zh-CN" altLang="en-US" sz="2800" dirty="0"/>
-              <a:t>组件进行各种试探。</a:t>
-            </a:r>
+              <a:t>第一步是隔离</a:t>
+            </a:r>
+            <a:endParaRPr lang="en-US" altLang="zh-CN" sz="2800" dirty="0"/>
           </a:p>
           <a:p>
             <a:endParaRPr lang="zh-CN" altLang="en-US" sz="2800" dirty="0"/>
           </a:p>
           <a:p>
             <a:r>
-              <a:rPr lang="zh-CN" altLang="en-US" sz="2800" b="1" dirty="0"/>
-              <a:t>怎么把不可控变成可控？</a:t>
-            </a:r>
-            <a:endParaRPr lang="zh-CN" altLang="en-US" sz="2800" dirty="0"/>
-          </a:p>
-          <a:p>
-            <a:r>
-              <a:rPr lang="zh-CN" altLang="en-US" sz="2800" dirty="0"/>
-              <a:t>第一步是隔离，</a:t>
-            </a:r>
-          </a:p>
-          <a:p>
-            <a:r>
               <a:rPr lang="zh-CN" altLang="en-US" sz="2800" dirty="0"/>
               <a:t>第二步用一个可控的组件代替不可控的组件。换言之，用一个假的组件代替真的组件。</a:t>
             </a:r>
+          </a:p>
+          <a:p>
+            <a:endParaRPr lang="en-US" altLang="zh-CN" sz="2800" dirty="0"/>
+          </a:p>
+          <a:p>
+            <a:endParaRPr lang="en-US" altLang="zh-CN" sz="2800" dirty="0"/>
           </a:p>
           <a:p>
             <a:endParaRPr lang="zh-CN" altLang="en-US" sz="2800" dirty="0"/>
@@ -2426,7 +2989,7 @@
     </p:spTree>
     <p:extLst>
       <p:ext uri="{BB962C8B-B14F-4D97-AF65-F5344CB8AC3E}">
-        <p14:creationId xmlns:p14="http://schemas.microsoft.com/office/powerpoint/2010/main" val="3762498909"/>
+        <p14:creationId xmlns:p14="http://schemas.microsoft.com/office/powerpoint/2010/main" val="581889264"/>
       </p:ext>
     </p:extLst>
   </p:cSld>
@@ -2436,7 +2999,519 @@
 </p:sld>
 </file>
 
-<file path=ppt/slides/slide12.xml><?xml version="1.0" encoding="utf-8"?>
+<file path=ppt/slides/slide14.xml><?xml version="1.0" encoding="utf-8"?>
+<p:sld xmlns:a="http://schemas.openxmlformats.org/drawingml/2006/main" xmlns:r="http://schemas.openxmlformats.org/officeDocument/2006/relationships" xmlns:p="http://schemas.openxmlformats.org/presentationml/2006/main">
+  <p:cSld>
+    <p:spTree>
+      <p:nvGrpSpPr>
+        <p:cNvPr id="1" name=""/>
+        <p:cNvGrpSpPr/>
+        <p:nvPr/>
+      </p:nvGrpSpPr>
+      <p:grpSpPr>
+        <a:xfrm>
+          <a:off x="0" y="0"/>
+          <a:ext cx="0" cy="0"/>
+          <a:chOff x="0" y="0"/>
+          <a:chExt cx="0" cy="0"/>
+        </a:xfrm>
+      </p:grpSpPr>
+      <p:sp>
+        <p:nvSpPr>
+          <p:cNvPr id="2" name="标题 1">
+            <a:extLst>
+              <a:ext uri="{FF2B5EF4-FFF2-40B4-BE49-F238E27FC236}">
+                <a16:creationId xmlns:a16="http://schemas.microsoft.com/office/drawing/2014/main" id="{3DB87EED-AF0E-4192-A638-4328D6269726}"/>
+              </a:ext>
+            </a:extLst>
+          </p:cNvPr>
+          <p:cNvSpPr>
+            <a:spLocks noGrp="1"/>
+          </p:cNvSpPr>
+          <p:nvPr>
+            <p:ph type="title"/>
+          </p:nvPr>
+        </p:nvSpPr>
+        <p:spPr/>
+        <p:txBody>
+          <a:bodyPr/>
+          <a:lstStyle/>
+          <a:p>
+            <a:r>
+              <a:rPr lang="zh-CN" altLang="en-US" dirty="0"/>
+              <a:t>演示版架构图</a:t>
+            </a:r>
+          </a:p>
+        </p:txBody>
+      </p:sp>
+      <p:grpSp>
+        <p:nvGrpSpPr>
+          <p:cNvPr id="26" name="组合 25">
+            <a:extLst>
+              <a:ext uri="{FF2B5EF4-FFF2-40B4-BE49-F238E27FC236}">
+                <a16:creationId xmlns:a16="http://schemas.microsoft.com/office/drawing/2014/main" id="{B32664DD-7FED-48E0-881D-510214DE769A}"/>
+              </a:ext>
+            </a:extLst>
+          </p:cNvPr>
+          <p:cNvGrpSpPr/>
+          <p:nvPr/>
+        </p:nvGrpSpPr>
+        <p:grpSpPr>
+          <a:xfrm>
+            <a:off x="1279589" y="1545459"/>
+            <a:ext cx="8351555" cy="4181953"/>
+            <a:chOff x="1279589" y="1545459"/>
+            <a:chExt cx="8351555" cy="4181953"/>
+          </a:xfrm>
+        </p:grpSpPr>
+        <p:pic>
+          <p:nvPicPr>
+            <p:cNvPr id="15" name="图片 14">
+              <a:extLst>
+                <a:ext uri="{FF2B5EF4-FFF2-40B4-BE49-F238E27FC236}">
+                  <a16:creationId xmlns:a16="http://schemas.microsoft.com/office/drawing/2014/main" id="{F23AE2D6-3FE1-4F4D-96BB-43A796B54E06}"/>
+                </a:ext>
+              </a:extLst>
+            </p:cNvPr>
+            <p:cNvPicPr>
+              <a:picLocks noChangeAspect="1"/>
+            </p:cNvPicPr>
+            <p:nvPr/>
+          </p:nvPicPr>
+          <p:blipFill>
+            <a:blip r:embed="rId2">
+              <a:extLst>
+                <a:ext uri="{28A0092B-C50C-407E-A947-70E740481C1C}">
+                  <a14:useLocalDpi xmlns:a14="http://schemas.microsoft.com/office/drawing/2010/main" val="0"/>
+                </a:ext>
+              </a:extLst>
+            </a:blip>
+            <a:stretch>
+              <a:fillRect/>
+            </a:stretch>
+          </p:blipFill>
+          <p:spPr>
+            <a:xfrm>
+              <a:off x="3278347" y="4256650"/>
+              <a:ext cx="828989" cy="828989"/>
+            </a:xfrm>
+            <a:prstGeom prst="rect">
+              <a:avLst/>
+            </a:prstGeom>
+          </p:spPr>
+        </p:pic>
+        <p:pic>
+          <p:nvPicPr>
+            <p:cNvPr id="16" name="图片 15">
+              <a:extLst>
+                <a:ext uri="{FF2B5EF4-FFF2-40B4-BE49-F238E27FC236}">
+                  <a16:creationId xmlns:a16="http://schemas.microsoft.com/office/drawing/2014/main" id="{8BE77A5D-E374-45D3-BB89-BC12E624EF69}"/>
+                </a:ext>
+              </a:extLst>
+            </p:cNvPr>
+            <p:cNvPicPr>
+              <a:picLocks noChangeAspect="1"/>
+            </p:cNvPicPr>
+            <p:nvPr/>
+          </p:nvPicPr>
+          <p:blipFill>
+            <a:blip r:embed="rId3">
+              <a:extLst>
+                <a:ext uri="{28A0092B-C50C-407E-A947-70E740481C1C}">
+                  <a14:useLocalDpi xmlns:a14="http://schemas.microsoft.com/office/drawing/2010/main" val="0"/>
+                </a:ext>
+              </a:extLst>
+            </a:blip>
+            <a:stretch>
+              <a:fillRect/>
+            </a:stretch>
+          </p:blipFill>
+          <p:spPr>
+            <a:xfrm>
+              <a:off x="5040802" y="4292678"/>
+              <a:ext cx="828990" cy="828990"/>
+            </a:xfrm>
+            <a:prstGeom prst="rect">
+              <a:avLst/>
+            </a:prstGeom>
+          </p:spPr>
+        </p:pic>
+        <p:sp>
+          <p:nvSpPr>
+            <p:cNvPr id="17" name="文本框 16">
+              <a:extLst>
+                <a:ext uri="{FF2B5EF4-FFF2-40B4-BE49-F238E27FC236}">
+                  <a16:creationId xmlns:a16="http://schemas.microsoft.com/office/drawing/2014/main" id="{97E0721B-890A-451E-847B-CC56BB8E71BB}"/>
+                </a:ext>
+              </a:extLst>
+            </p:cNvPr>
+            <p:cNvSpPr txBox="1"/>
+            <p:nvPr/>
+          </p:nvSpPr>
+          <p:spPr>
+            <a:xfrm>
+              <a:off x="1279589" y="4256649"/>
+              <a:ext cx="2054308" cy="954107"/>
+            </a:xfrm>
+            <a:prstGeom prst="rect">
+              <a:avLst/>
+            </a:prstGeom>
+            <a:noFill/>
+          </p:spPr>
+          <p:txBody>
+            <a:bodyPr wrap="square" rtlCol="0">
+              <a:spAutoFit/>
+            </a:bodyPr>
+            <a:lstStyle/>
+            <a:p>
+              <a:pPr algn="ctr"/>
+              <a:r>
+                <a:rPr lang="zh-CN" altLang="en-US" sz="2800" dirty="0"/>
+                <a:t>外部依赖</a:t>
+              </a:r>
+              <a:endParaRPr lang="en-US" altLang="zh-CN" sz="2800" dirty="0"/>
+            </a:p>
+            <a:p>
+              <a:pPr algn="ctr"/>
+              <a:r>
+                <a:rPr lang="zh-CN" altLang="en-US" sz="2800" dirty="0"/>
+                <a:t>应用</a:t>
+              </a:r>
+            </a:p>
+          </p:txBody>
+        </p:sp>
+        <p:sp>
+          <p:nvSpPr>
+            <p:cNvPr id="18" name="文本框 17">
+              <a:extLst>
+                <a:ext uri="{FF2B5EF4-FFF2-40B4-BE49-F238E27FC236}">
+                  <a16:creationId xmlns:a16="http://schemas.microsoft.com/office/drawing/2014/main" id="{E52D0DCA-C1A8-49F0-ABD3-DB762154A514}"/>
+                </a:ext>
+              </a:extLst>
+            </p:cNvPr>
+            <p:cNvSpPr txBox="1"/>
+            <p:nvPr/>
+          </p:nvSpPr>
+          <p:spPr>
+            <a:xfrm>
+              <a:off x="4858912" y="5204192"/>
+              <a:ext cx="1559728" cy="523220"/>
+            </a:xfrm>
+            <a:prstGeom prst="rect">
+              <a:avLst/>
+            </a:prstGeom>
+            <a:noFill/>
+          </p:spPr>
+          <p:txBody>
+            <a:bodyPr wrap="square" rtlCol="0">
+              <a:spAutoFit/>
+            </a:bodyPr>
+            <a:lstStyle/>
+            <a:p>
+              <a:r>
+                <a:rPr lang="en-US" altLang="zh-CN" sz="2800" dirty="0"/>
+                <a:t>MySQL</a:t>
+              </a:r>
+            </a:p>
+          </p:txBody>
+        </p:sp>
+        <p:cxnSp>
+          <p:nvCxnSpPr>
+            <p:cNvPr id="19" name="连接符: 肘形 18">
+              <a:extLst>
+                <a:ext uri="{FF2B5EF4-FFF2-40B4-BE49-F238E27FC236}">
+                  <a16:creationId xmlns:a16="http://schemas.microsoft.com/office/drawing/2014/main" id="{5506A63D-4381-4C36-8E83-0A91AC436A62}"/>
+                </a:ext>
+              </a:extLst>
+            </p:cNvPr>
+            <p:cNvCxnSpPr>
+              <a:cxnSpLocks/>
+              <a:stCxn id="22" idx="2"/>
+              <a:endCxn id="15" idx="0"/>
+            </p:cNvCxnSpPr>
+            <p:nvPr/>
+          </p:nvCxnSpPr>
+          <p:spPr>
+            <a:xfrm rot="5400000">
+              <a:off x="3970104" y="2773290"/>
+              <a:ext cx="1206098" cy="1760622"/>
+            </a:xfrm>
+            <a:prstGeom prst="bentConnector3">
+              <a:avLst>
+                <a:gd name="adj1" fmla="val 50000"/>
+              </a:avLst>
+            </a:prstGeom>
+            <a:ln w="12700">
+              <a:tailEnd type="triangle" w="lg" len="lg"/>
+            </a:ln>
+          </p:spPr>
+          <p:style>
+            <a:lnRef idx="1">
+              <a:schemeClr val="dk1"/>
+            </a:lnRef>
+            <a:fillRef idx="0">
+              <a:schemeClr val="dk1"/>
+            </a:fillRef>
+            <a:effectRef idx="0">
+              <a:schemeClr val="dk1"/>
+            </a:effectRef>
+            <a:fontRef idx="minor">
+              <a:schemeClr val="tx1"/>
+            </a:fontRef>
+          </p:style>
+        </p:cxnSp>
+        <p:cxnSp>
+          <p:nvCxnSpPr>
+            <p:cNvPr id="20" name="连接符: 肘形 19">
+              <a:extLst>
+                <a:ext uri="{FF2B5EF4-FFF2-40B4-BE49-F238E27FC236}">
+                  <a16:creationId xmlns:a16="http://schemas.microsoft.com/office/drawing/2014/main" id="{057695EF-E4F9-491A-8BF5-BBB97B8DAACE}"/>
+                </a:ext>
+              </a:extLst>
+            </p:cNvPr>
+            <p:cNvCxnSpPr>
+              <a:cxnSpLocks/>
+              <a:stCxn id="22" idx="2"/>
+              <a:endCxn id="25" idx="0"/>
+            </p:cNvCxnSpPr>
+            <p:nvPr/>
+          </p:nvCxnSpPr>
+          <p:spPr>
+            <a:xfrm rot="16200000" flipH="1">
+              <a:off x="5743511" y="2760504"/>
+              <a:ext cx="1203332" cy="1783427"/>
+            </a:xfrm>
+            <a:prstGeom prst="bentConnector3">
+              <a:avLst>
+                <a:gd name="adj1" fmla="val 50000"/>
+              </a:avLst>
+            </a:prstGeom>
+            <a:ln w="12700">
+              <a:tailEnd type="triangle" w="lg" len="lg"/>
+            </a:ln>
+          </p:spPr>
+          <p:style>
+            <a:lnRef idx="1">
+              <a:schemeClr val="dk1"/>
+            </a:lnRef>
+            <a:fillRef idx="0">
+              <a:schemeClr val="dk1"/>
+            </a:fillRef>
+            <a:effectRef idx="0">
+              <a:schemeClr val="dk1"/>
+            </a:effectRef>
+            <a:fontRef idx="minor">
+              <a:schemeClr val="tx1"/>
+            </a:fontRef>
+          </p:style>
+        </p:cxnSp>
+        <p:sp>
+          <p:nvSpPr>
+            <p:cNvPr id="21" name="文本框 20">
+              <a:extLst>
+                <a:ext uri="{FF2B5EF4-FFF2-40B4-BE49-F238E27FC236}">
+                  <a16:creationId xmlns:a16="http://schemas.microsoft.com/office/drawing/2014/main" id="{A21FEF5D-08C1-4E92-8149-4C80E070F92D}"/>
+                </a:ext>
+              </a:extLst>
+            </p:cNvPr>
+            <p:cNvSpPr txBox="1"/>
+            <p:nvPr/>
+          </p:nvSpPr>
+          <p:spPr>
+            <a:xfrm>
+              <a:off x="4189718" y="1545459"/>
+              <a:ext cx="2898116" cy="523220"/>
+            </a:xfrm>
+            <a:prstGeom prst="rect">
+              <a:avLst/>
+            </a:prstGeom>
+            <a:noFill/>
+          </p:spPr>
+          <p:txBody>
+            <a:bodyPr wrap="square" rtlCol="0">
+              <a:spAutoFit/>
+            </a:bodyPr>
+            <a:lstStyle/>
+            <a:p>
+              <a:r>
+                <a:rPr lang="en-US" altLang="zh-CN" sz="2800" dirty="0"/>
+                <a:t>Spring Boot </a:t>
+              </a:r>
+              <a:r>
+                <a:rPr lang="zh-CN" altLang="en-US" sz="2800" dirty="0"/>
+                <a:t>服务</a:t>
+              </a:r>
+            </a:p>
+          </p:txBody>
+        </p:sp>
+        <p:pic>
+          <p:nvPicPr>
+            <p:cNvPr id="22" name="图片 21">
+              <a:extLst>
+                <a:ext uri="{FF2B5EF4-FFF2-40B4-BE49-F238E27FC236}">
+                  <a16:creationId xmlns:a16="http://schemas.microsoft.com/office/drawing/2014/main" id="{428340B9-490E-4413-A12B-DDC76A298179}"/>
+                </a:ext>
+              </a:extLst>
+            </p:cNvPr>
+            <p:cNvPicPr>
+              <a:picLocks noChangeAspect="1"/>
+            </p:cNvPicPr>
+            <p:nvPr/>
+          </p:nvPicPr>
+          <p:blipFill>
+            <a:blip r:embed="rId2">
+              <a:extLst>
+                <a:ext uri="{28A0092B-C50C-407E-A947-70E740481C1C}">
+                  <a14:useLocalDpi xmlns:a14="http://schemas.microsoft.com/office/drawing/2010/main" val="0"/>
+                </a:ext>
+              </a:extLst>
+            </a:blip>
+            <a:stretch>
+              <a:fillRect/>
+            </a:stretch>
+          </p:blipFill>
+          <p:spPr>
+            <a:xfrm>
+              <a:off x="5038969" y="2221563"/>
+              <a:ext cx="828989" cy="828989"/>
+            </a:xfrm>
+            <a:prstGeom prst="rect">
+              <a:avLst/>
+            </a:prstGeom>
+          </p:spPr>
+        </p:pic>
+        <p:sp>
+          <p:nvSpPr>
+            <p:cNvPr id="23" name="文本框 22">
+              <a:extLst>
+                <a:ext uri="{FF2B5EF4-FFF2-40B4-BE49-F238E27FC236}">
+                  <a16:creationId xmlns:a16="http://schemas.microsoft.com/office/drawing/2014/main" id="{AADF9FE7-9A82-4854-BD39-8F699B93A582}"/>
+                </a:ext>
+              </a:extLst>
+            </p:cNvPr>
+            <p:cNvSpPr txBox="1"/>
+            <p:nvPr/>
+          </p:nvSpPr>
+          <p:spPr>
+            <a:xfrm>
+              <a:off x="7576836" y="4445563"/>
+              <a:ext cx="2054308" cy="523220"/>
+            </a:xfrm>
+            <a:prstGeom prst="rect">
+              <a:avLst/>
+            </a:prstGeom>
+            <a:noFill/>
+          </p:spPr>
+          <p:txBody>
+            <a:bodyPr wrap="square" rtlCol="0">
+              <a:spAutoFit/>
+            </a:bodyPr>
+            <a:lstStyle/>
+            <a:p>
+              <a:pPr algn="ctr"/>
+              <a:r>
+                <a:rPr lang="zh-CN" altLang="en-US" sz="2800" dirty="0"/>
+                <a:t>配置中心</a:t>
+              </a:r>
+            </a:p>
+          </p:txBody>
+        </p:sp>
+        <p:cxnSp>
+          <p:nvCxnSpPr>
+            <p:cNvPr id="24" name="连接符: 肘形 23">
+              <a:extLst>
+                <a:ext uri="{FF2B5EF4-FFF2-40B4-BE49-F238E27FC236}">
+                  <a16:creationId xmlns:a16="http://schemas.microsoft.com/office/drawing/2014/main" id="{3C3E9385-1F42-405F-928E-6F9EE4448965}"/>
+                </a:ext>
+              </a:extLst>
+            </p:cNvPr>
+            <p:cNvCxnSpPr>
+              <a:cxnSpLocks/>
+              <a:stCxn id="22" idx="2"/>
+              <a:endCxn id="16" idx="0"/>
+            </p:cNvCxnSpPr>
+            <p:nvPr/>
+          </p:nvCxnSpPr>
+          <p:spPr>
+            <a:xfrm rot="16200000" flipH="1">
+              <a:off x="4833317" y="3670698"/>
+              <a:ext cx="1242126" cy="1833"/>
+            </a:xfrm>
+            <a:prstGeom prst="bentConnector3">
+              <a:avLst>
+                <a:gd name="adj1" fmla="val 50000"/>
+              </a:avLst>
+            </a:prstGeom>
+            <a:ln w="12700">
+              <a:tailEnd type="triangle" w="lg" len="lg"/>
+            </a:ln>
+          </p:spPr>
+          <p:style>
+            <a:lnRef idx="1">
+              <a:schemeClr val="dk1"/>
+            </a:lnRef>
+            <a:fillRef idx="0">
+              <a:schemeClr val="dk1"/>
+            </a:fillRef>
+            <a:effectRef idx="0">
+              <a:schemeClr val="dk1"/>
+            </a:effectRef>
+            <a:fontRef idx="minor">
+              <a:schemeClr val="tx1"/>
+            </a:fontRef>
+          </p:style>
+        </p:cxnSp>
+        <p:pic>
+          <p:nvPicPr>
+            <p:cNvPr id="25" name="图片 24">
+              <a:extLst>
+                <a:ext uri="{FF2B5EF4-FFF2-40B4-BE49-F238E27FC236}">
+                  <a16:creationId xmlns:a16="http://schemas.microsoft.com/office/drawing/2014/main" id="{7FB95D22-26A6-4FBB-AC0D-2D57FF37ABCB}"/>
+                </a:ext>
+              </a:extLst>
+            </p:cNvPr>
+            <p:cNvPicPr>
+              <a:picLocks noChangeAspect="1"/>
+            </p:cNvPicPr>
+            <p:nvPr/>
+          </p:nvPicPr>
+          <p:blipFill>
+            <a:blip r:embed="rId4">
+              <a:extLst>
+                <a:ext uri="{28A0092B-C50C-407E-A947-70E740481C1C}">
+                  <a14:useLocalDpi xmlns:a14="http://schemas.microsoft.com/office/drawing/2010/main" val="0"/>
+                </a:ext>
+              </a:extLst>
+            </a:blip>
+            <a:stretch>
+              <a:fillRect/>
+            </a:stretch>
+          </p:blipFill>
+          <p:spPr>
+            <a:xfrm>
+              <a:off x="6822396" y="4253884"/>
+              <a:ext cx="828990" cy="828990"/>
+            </a:xfrm>
+            <a:prstGeom prst="rect">
+              <a:avLst/>
+            </a:prstGeom>
+          </p:spPr>
+        </p:pic>
+      </p:grpSp>
+    </p:spTree>
+    <p:extLst>
+      <p:ext uri="{BB962C8B-B14F-4D97-AF65-F5344CB8AC3E}">
+        <p14:creationId xmlns:p14="http://schemas.microsoft.com/office/powerpoint/2010/main" val="3999394020"/>
+      </p:ext>
+    </p:extLst>
+  </p:cSld>
+  <p:clrMapOvr>
+    <a:masterClrMapping/>
+  </p:clrMapOvr>
+</p:sld>
+</file>
+
+<file path=ppt/slides/slide15.xml><?xml version="1.0" encoding="utf-8"?>
 <p:sld xmlns:a="http://schemas.openxmlformats.org/drawingml/2006/main" xmlns:r="http://schemas.openxmlformats.org/officeDocument/2006/relationships" xmlns:p="http://schemas.openxmlformats.org/presentationml/2006/main">
   <p:cSld>
     <p:spTree>
@@ -2655,648 +3730,7 @@
     </p:spTree>
     <p:extLst>
       <p:ext uri="{BB962C8B-B14F-4D97-AF65-F5344CB8AC3E}">
-        <p14:creationId xmlns:p14="http://schemas.microsoft.com/office/powerpoint/2010/main" val="7649502"/>
-      </p:ext>
-    </p:extLst>
-  </p:cSld>
-  <p:clrMapOvr>
-    <a:masterClrMapping/>
-  </p:clrMapOvr>
-</p:sld>
-</file>
-
-<file path=ppt/slides/slide13.xml><?xml version="1.0" encoding="utf-8"?>
-<p:sld xmlns:a="http://schemas.openxmlformats.org/drawingml/2006/main" xmlns:r="http://schemas.openxmlformats.org/officeDocument/2006/relationships" xmlns:p="http://schemas.openxmlformats.org/presentationml/2006/main">
-  <p:cSld>
-    <p:spTree>
-      <p:nvGrpSpPr>
-        <p:cNvPr id="1" name=""/>
-        <p:cNvGrpSpPr/>
-        <p:nvPr/>
-      </p:nvGrpSpPr>
-      <p:grpSpPr>
-        <a:xfrm>
-          <a:off x="0" y="0"/>
-          <a:ext cx="0" cy="0"/>
-          <a:chOff x="0" y="0"/>
-          <a:chExt cx="0" cy="0"/>
-        </a:xfrm>
-      </p:grpSpPr>
-      <p:sp>
-        <p:nvSpPr>
-          <p:cNvPr id="2" name="标题 1">
-            <a:extLst>
-              <a:ext uri="{FF2B5EF4-FFF2-40B4-BE49-F238E27FC236}">
-                <a16:creationId xmlns:a16="http://schemas.microsoft.com/office/drawing/2014/main" id="{35F0ACFF-60AB-4ACD-840E-BB2487271F91}"/>
-              </a:ext>
-            </a:extLst>
-          </p:cNvPr>
-          <p:cNvSpPr>
-            <a:spLocks noGrp="1"/>
-          </p:cNvSpPr>
-          <p:nvPr>
-            <p:ph type="title"/>
-          </p:nvPr>
-        </p:nvSpPr>
-        <p:spPr/>
-        <p:txBody>
-          <a:bodyPr/>
-          <a:lstStyle/>
-          <a:p>
-            <a:r>
-              <a:rPr lang="zh-CN" altLang="en-US" sz="3200" dirty="0"/>
-              <a:t>技术选型分析 </a:t>
-            </a:r>
-            <a:r>
-              <a:rPr lang="en-US" altLang="zh-CN" sz="3200" dirty="0"/>
-              <a:t>-</a:t>
-            </a:r>
-            <a:r>
-              <a:rPr lang="zh-CN" altLang="en-US" dirty="0"/>
-              <a:t>内存数据库选型</a:t>
-            </a:r>
-            <a:endParaRPr lang="zh-CN" altLang="en-US" sz="3200" dirty="0"/>
-          </a:p>
-        </p:txBody>
-      </p:sp>
-      <p:sp>
-        <p:nvSpPr>
-          <p:cNvPr id="9" name="文本框 8">
-            <a:extLst>
-              <a:ext uri="{FF2B5EF4-FFF2-40B4-BE49-F238E27FC236}">
-                <a16:creationId xmlns:a16="http://schemas.microsoft.com/office/drawing/2014/main" id="{61858563-9BA1-474D-912D-FD83053C3A7E}"/>
-              </a:ext>
-            </a:extLst>
-          </p:cNvPr>
-          <p:cNvSpPr txBox="1"/>
-          <p:nvPr/>
-        </p:nvSpPr>
-        <p:spPr>
-          <a:xfrm>
-            <a:off x="669850" y="1181687"/>
-            <a:ext cx="10728251" cy="5693866"/>
-          </a:xfrm>
-          <a:prstGeom prst="rect">
-            <a:avLst/>
-          </a:prstGeom>
-          <a:noFill/>
-        </p:spPr>
-        <p:txBody>
-          <a:bodyPr wrap="square">
-            <a:spAutoFit/>
-          </a:bodyPr>
-          <a:lstStyle/>
-          <a:p>
-            <a:pPr marL="457200" indent="-457200">
-              <a:buFont typeface="Arial" panose="020B0604020202020204" pitchFamily="34" charset="0"/>
-              <a:buChar char="•"/>
-            </a:pPr>
-            <a:r>
-              <a:rPr lang="zh-CN" altLang="en-US" sz="2800" b="1" dirty="0"/>
-              <a:t>使用嵌入式内存数据库：</a:t>
-            </a:r>
-            <a:r>
-              <a:rPr lang="zh-CN" altLang="en-US" sz="2800" dirty="0"/>
-              <a:t>可断网执行，无需事务回滚，但可能遇到SQL不兼容的风险。</a:t>
-            </a:r>
-          </a:p>
-          <a:p>
-            <a:pPr marL="457200" indent="-457200">
-              <a:buFont typeface="Arial" panose="020B0604020202020204" pitchFamily="34" charset="0"/>
-              <a:buChar char="•"/>
-            </a:pPr>
-            <a:r>
-              <a:rPr lang="zh-CN" altLang="en-US" sz="2800" b="1" dirty="0"/>
-              <a:t>使用事务回滚的机制：</a:t>
-            </a:r>
-            <a:r>
-              <a:rPr lang="zh-CN" altLang="en-US" sz="2800" dirty="0"/>
-              <a:t>我们的代码面对的是同样的数据库引擎，不必担心 SQL 不兼容的问题。</a:t>
-            </a:r>
-          </a:p>
-          <a:p>
-            <a:endParaRPr lang="zh-CN" altLang="en-US" sz="2800" dirty="0"/>
-          </a:p>
-          <a:p>
-            <a:r>
-              <a:rPr lang="zh-CN" altLang="en-US" sz="2800" b="1" dirty="0"/>
-              <a:t>选型结果及说明</a:t>
-            </a:r>
-            <a:endParaRPr lang="zh-CN" altLang="en-US" sz="2800" dirty="0"/>
-          </a:p>
-          <a:p>
-            <a:r>
-              <a:rPr lang="zh-CN" altLang="en-US" sz="2800" dirty="0"/>
-              <a:t>1. 核心诉求是断网执行，可尽力规避SQL不兼容的风险，所以选择「嵌入式内存数据库」</a:t>
-            </a:r>
-          </a:p>
-          <a:p>
-            <a:r>
-              <a:rPr lang="zh-CN" altLang="en-US" sz="2800" dirty="0"/>
-              <a:t>2. 重点是给测试提供不同的配置「JDBC URL」，保证代码不变。</a:t>
-            </a:r>
-            <a:endParaRPr lang="en-US" altLang="zh-CN" sz="2800" dirty="0"/>
-          </a:p>
-          <a:p>
-            <a:endParaRPr lang="zh-CN" altLang="en-US" sz="2800" dirty="0"/>
-          </a:p>
-          <a:p>
-            <a:r>
-              <a:rPr lang="zh-CN" altLang="en-US" sz="2800" b="1" dirty="0"/>
-              <a:t>选型结果</a:t>
-            </a:r>
-            <a:endParaRPr lang="zh-CN" altLang="en-US" sz="2800" dirty="0"/>
-          </a:p>
-          <a:p>
-            <a:r>
-              <a:rPr lang="zh-CN" altLang="en-US" sz="2800" dirty="0"/>
-              <a:t>对H2、Wix Embedded MySql、MariaDB4j、Testcontainers对比分析，选择MariaDB4j；备选H2。</a:t>
-            </a:r>
-          </a:p>
-        </p:txBody>
-      </p:sp>
-    </p:spTree>
-    <p:extLst>
-      <p:ext uri="{BB962C8B-B14F-4D97-AF65-F5344CB8AC3E}">
-        <p14:creationId xmlns:p14="http://schemas.microsoft.com/office/powerpoint/2010/main" val="109047950"/>
-      </p:ext>
-    </p:extLst>
-  </p:cSld>
-  <p:clrMapOvr>
-    <a:masterClrMapping/>
-  </p:clrMapOvr>
-</p:sld>
-</file>
-
-<file path=ppt/slides/slide14.xml><?xml version="1.0" encoding="utf-8"?>
-<p:sld xmlns:a="http://schemas.openxmlformats.org/drawingml/2006/main" xmlns:r="http://schemas.openxmlformats.org/officeDocument/2006/relationships" xmlns:p="http://schemas.openxmlformats.org/presentationml/2006/main">
-  <p:cSld>
-    <p:spTree>
-      <p:nvGrpSpPr>
-        <p:cNvPr id="1" name=""/>
-        <p:cNvGrpSpPr/>
-        <p:nvPr/>
-      </p:nvGrpSpPr>
-      <p:grpSpPr>
-        <a:xfrm>
-          <a:off x="0" y="0"/>
-          <a:ext cx="0" cy="0"/>
-          <a:chOff x="0" y="0"/>
-          <a:chExt cx="0" cy="0"/>
-        </a:xfrm>
-      </p:grpSpPr>
-      <p:sp>
-        <p:nvSpPr>
-          <p:cNvPr id="2" name="标题 1">
-            <a:extLst>
-              <a:ext uri="{FF2B5EF4-FFF2-40B4-BE49-F238E27FC236}">
-                <a16:creationId xmlns:a16="http://schemas.microsoft.com/office/drawing/2014/main" id="{35F0ACFF-60AB-4ACD-840E-BB2487271F91}"/>
-              </a:ext>
-            </a:extLst>
-          </p:cNvPr>
-          <p:cNvSpPr>
-            <a:spLocks noGrp="1"/>
-          </p:cNvSpPr>
-          <p:nvPr>
-            <p:ph type="title"/>
-          </p:nvPr>
-        </p:nvSpPr>
-        <p:spPr/>
-        <p:txBody>
-          <a:bodyPr/>
-          <a:lstStyle/>
-          <a:p>
-            <a:r>
-              <a:rPr lang="zh-CN" altLang="en-US" sz="3200" dirty="0"/>
-              <a:t>公司</a:t>
-            </a:r>
-            <a:r>
-              <a:rPr lang="en-US" altLang="zh-CN" sz="3200" dirty="0"/>
-              <a:t>Spring Boot</a:t>
-            </a:r>
-            <a:r>
-              <a:rPr lang="zh-CN" altLang="en-US" sz="3200" dirty="0"/>
-              <a:t>应用启动流程 </a:t>
-            </a:r>
-            <a:r>
-              <a:rPr lang="en-US" altLang="zh-CN" sz="3200" dirty="0"/>
-              <a:t>- </a:t>
-            </a:r>
-            <a:r>
-              <a:rPr lang="zh-CN" altLang="en-US" sz="3200" b="1" dirty="0"/>
-              <a:t>加载配置</a:t>
-            </a:r>
-            <a:br>
-              <a:rPr lang="en-US" altLang="zh-CN" sz="3200" b="1" dirty="0"/>
-            </a:br>
-            <a:endParaRPr lang="zh-CN" altLang="en-US" sz="3200" dirty="0"/>
-          </a:p>
-        </p:txBody>
-      </p:sp>
-      <p:sp>
-        <p:nvSpPr>
-          <p:cNvPr id="9" name="文本框 8">
-            <a:extLst>
-              <a:ext uri="{FF2B5EF4-FFF2-40B4-BE49-F238E27FC236}">
-                <a16:creationId xmlns:a16="http://schemas.microsoft.com/office/drawing/2014/main" id="{61858563-9BA1-474D-912D-FD83053C3A7E}"/>
-              </a:ext>
-            </a:extLst>
-          </p:cNvPr>
-          <p:cNvSpPr txBox="1"/>
-          <p:nvPr/>
-        </p:nvSpPr>
-        <p:spPr>
-          <a:xfrm>
-            <a:off x="669850" y="1181687"/>
-            <a:ext cx="10728251" cy="523220"/>
-          </a:xfrm>
-          <a:prstGeom prst="rect">
-            <a:avLst/>
-          </a:prstGeom>
-          <a:noFill/>
-        </p:spPr>
-        <p:txBody>
-          <a:bodyPr wrap="square">
-            <a:spAutoFit/>
-          </a:bodyPr>
-          <a:lstStyle/>
-          <a:p>
-            <a:r>
-              <a:rPr lang="zh-CN" altLang="en-US" sz="2800" dirty="0"/>
-              <a:t>基于演示项目 </a:t>
-            </a:r>
-            <a:r>
-              <a:rPr lang="en-US" altLang="zh-CN" sz="2800" dirty="0" err="1">
-                <a:hlinkClick r:id="rId2"/>
-              </a:rPr>
-              <a:t>bitkylin</a:t>
-            </a:r>
-            <a:r>
-              <a:rPr lang="en-US" altLang="zh-CN" sz="2800" dirty="0">
-                <a:hlinkClick r:id="rId2"/>
-              </a:rPr>
-              <a:t>-spring-boot</a:t>
-            </a:r>
-            <a:r>
-              <a:rPr lang="zh-CN" altLang="en-US" sz="2800" dirty="0"/>
-              <a:t>，回顾</a:t>
-            </a:r>
-            <a:r>
-              <a:rPr lang="en-US" altLang="zh-CN" sz="2800" dirty="0"/>
-              <a:t>Spring Boot</a:t>
-            </a:r>
-            <a:r>
-              <a:rPr lang="zh-CN" altLang="en-US" sz="2800" dirty="0"/>
-              <a:t>应用启动流程。</a:t>
-            </a:r>
-          </a:p>
-        </p:txBody>
-      </p:sp>
-      <p:sp>
-        <p:nvSpPr>
-          <p:cNvPr id="5" name="文本框 4">
-            <a:extLst>
-              <a:ext uri="{FF2B5EF4-FFF2-40B4-BE49-F238E27FC236}">
-                <a16:creationId xmlns:a16="http://schemas.microsoft.com/office/drawing/2014/main" id="{8C1A2279-D518-4771-AC4D-6BE3C22B9F9D}"/>
-              </a:ext>
-            </a:extLst>
-          </p:cNvPr>
-          <p:cNvSpPr txBox="1"/>
-          <p:nvPr/>
-        </p:nvSpPr>
-        <p:spPr>
-          <a:xfrm>
-            <a:off x="754024" y="2056318"/>
-            <a:ext cx="10559901" cy="4401205"/>
-          </a:xfrm>
-          <a:prstGeom prst="rect">
-            <a:avLst/>
-          </a:prstGeom>
-          <a:noFill/>
-        </p:spPr>
-        <p:txBody>
-          <a:bodyPr wrap="square">
-            <a:spAutoFit/>
-          </a:bodyPr>
-          <a:lstStyle/>
-          <a:p>
-            <a:r>
-              <a:rPr lang="zh-CN" altLang="en-US" sz="2800" b="1" dirty="0"/>
-              <a:t>介绍公司</a:t>
-            </a:r>
-            <a:r>
-              <a:rPr lang="en-US" altLang="zh-CN" sz="2800" b="1" dirty="0"/>
-              <a:t>Spring Boot</a:t>
-            </a:r>
-            <a:r>
-              <a:rPr lang="zh-CN" altLang="en-US" sz="2800" b="1" dirty="0"/>
-              <a:t>应用启动流程</a:t>
-            </a:r>
-            <a:endParaRPr lang="en-US" altLang="zh-CN" sz="2800" b="1" dirty="0"/>
-          </a:p>
-          <a:p>
-            <a:endParaRPr lang="en-US" altLang="zh-CN" sz="2800" dirty="0"/>
-          </a:p>
-          <a:p>
-            <a:r>
-              <a:rPr lang="zh-CN" altLang="en-US" sz="2800" dirty="0"/>
-              <a:t>1. 基于Spring SPI机制，加载 `SysConfigListener`</a:t>
-            </a:r>
-          </a:p>
-          <a:p>
-            <a:endParaRPr lang="zh-CN" altLang="en-US" sz="2800" dirty="0"/>
-          </a:p>
-          <a:p>
-            <a:r>
-              <a:rPr lang="zh-CN" altLang="en-US" sz="2800" dirty="0"/>
-              <a:t>2. 基于Spring SPI机制，加载 SimbusinessStarterAutoConfiguration -&gt; SimbusinessPostProcessor</a:t>
-            </a:r>
-          </a:p>
-          <a:p>
-            <a:endParaRPr lang="zh-CN" altLang="en-US" sz="2800" dirty="0"/>
-          </a:p>
-          <a:p>
-            <a:r>
-              <a:rPr lang="zh-CN" altLang="en-US" sz="2800" dirty="0"/>
-              <a:t>调用方法，AbstractConfigEntrypointProcessor#postProcessBeanFactory，将配置从远端拉到本地。</a:t>
-            </a:r>
-          </a:p>
-        </p:txBody>
-      </p:sp>
-    </p:spTree>
-    <p:extLst>
-      <p:ext uri="{BB962C8B-B14F-4D97-AF65-F5344CB8AC3E}">
-        <p14:creationId xmlns:p14="http://schemas.microsoft.com/office/powerpoint/2010/main" val="2766774303"/>
-      </p:ext>
-    </p:extLst>
-  </p:cSld>
-  <p:clrMapOvr>
-    <a:masterClrMapping/>
-  </p:clrMapOvr>
-</p:sld>
-</file>
-
-<file path=ppt/slides/slide15.xml><?xml version="1.0" encoding="utf-8"?>
-<p:sld xmlns:a="http://schemas.openxmlformats.org/drawingml/2006/main" xmlns:r="http://schemas.openxmlformats.org/officeDocument/2006/relationships" xmlns:p="http://schemas.openxmlformats.org/presentationml/2006/main">
-  <p:cSld>
-    <p:spTree>
-      <p:nvGrpSpPr>
-        <p:cNvPr id="1" name=""/>
-        <p:cNvGrpSpPr/>
-        <p:nvPr/>
-      </p:nvGrpSpPr>
-      <p:grpSpPr>
-        <a:xfrm>
-          <a:off x="0" y="0"/>
-          <a:ext cx="0" cy="0"/>
-          <a:chOff x="0" y="0"/>
-          <a:chExt cx="0" cy="0"/>
-        </a:xfrm>
-      </p:grpSpPr>
-      <p:sp>
-        <p:nvSpPr>
-          <p:cNvPr id="2" name="标题 1">
-            <a:extLst>
-              <a:ext uri="{FF2B5EF4-FFF2-40B4-BE49-F238E27FC236}">
-                <a16:creationId xmlns:a16="http://schemas.microsoft.com/office/drawing/2014/main" id="{35F0ACFF-60AB-4ACD-840E-BB2487271F91}"/>
-              </a:ext>
-            </a:extLst>
-          </p:cNvPr>
-          <p:cNvSpPr>
-            <a:spLocks noGrp="1"/>
-          </p:cNvSpPr>
-          <p:nvPr>
-            <p:ph type="title"/>
-          </p:nvPr>
-        </p:nvSpPr>
-        <p:spPr/>
-        <p:txBody>
-          <a:bodyPr/>
-          <a:lstStyle/>
-          <a:p>
-            <a:r>
-              <a:rPr lang="zh-CN" altLang="en-US" sz="3200" dirty="0"/>
-              <a:t>配置中心原理分析 </a:t>
-            </a:r>
-            <a:r>
-              <a:rPr lang="en-US" altLang="zh-CN" sz="3200" dirty="0"/>
-              <a:t>- </a:t>
-            </a:r>
-            <a:r>
-              <a:rPr lang="zh-CN" altLang="en-US" sz="3200" b="1" dirty="0"/>
-              <a:t>系统配置</a:t>
-            </a:r>
-          </a:p>
-        </p:txBody>
-      </p:sp>
-      <p:sp>
-        <p:nvSpPr>
-          <p:cNvPr id="5" name="文本框 4">
-            <a:extLst>
-              <a:ext uri="{FF2B5EF4-FFF2-40B4-BE49-F238E27FC236}">
-                <a16:creationId xmlns:a16="http://schemas.microsoft.com/office/drawing/2014/main" id="{8C1A2279-D518-4771-AC4D-6BE3C22B9F9D}"/>
-              </a:ext>
-            </a:extLst>
-          </p:cNvPr>
-          <p:cNvSpPr txBox="1"/>
-          <p:nvPr/>
-        </p:nvSpPr>
-        <p:spPr>
-          <a:xfrm>
-            <a:off x="552894" y="1226979"/>
-            <a:ext cx="10845208" cy="4939814"/>
-          </a:xfrm>
-          <a:prstGeom prst="rect">
-            <a:avLst/>
-          </a:prstGeom>
-          <a:noFill/>
-        </p:spPr>
-        <p:txBody>
-          <a:bodyPr wrap="square">
-            <a:spAutoFit/>
-          </a:bodyPr>
-          <a:lstStyle/>
-          <a:p>
-            <a:r>
-              <a:rPr lang="en-US" altLang="zh-CN" sz="2800" dirty="0"/>
-              <a:t>1. </a:t>
-            </a:r>
-            <a:r>
-              <a:rPr lang="zh-CN" altLang="en-US" sz="2800" dirty="0"/>
-              <a:t>从</a:t>
-            </a:r>
-            <a:r>
-              <a:rPr lang="en-US" altLang="zh-CN" sz="2800" dirty="0" err="1"/>
-              <a:t>configservice</a:t>
-            </a:r>
-            <a:r>
-              <a:rPr lang="zh-CN" altLang="en-US" sz="2800" dirty="0"/>
-              <a:t>中读取配置「系统配置</a:t>
-            </a:r>
-            <a:r>
-              <a:rPr lang="en-US" altLang="zh-CN" sz="2800" dirty="0"/>
-              <a:t>『</a:t>
-            </a:r>
-            <a:r>
-              <a:rPr lang="en-US" altLang="zh-CN" sz="2800" dirty="0" err="1"/>
-              <a:t>proplus</a:t>
-            </a:r>
-            <a:r>
-              <a:rPr lang="en-US" altLang="zh-CN" sz="2800" dirty="0"/>
-              <a:t>』</a:t>
-            </a:r>
-            <a:r>
-              <a:rPr lang="zh-CN" altLang="en-US" sz="2800" dirty="0"/>
-              <a:t>」</a:t>
-            </a:r>
-          </a:p>
-          <a:p>
-            <a:endParaRPr lang="en-US" altLang="zh-CN" sz="2800" b="1" dirty="0"/>
-          </a:p>
-          <a:p>
-            <a:r>
-              <a:rPr lang="en-US" altLang="zh-CN" sz="2800" b="1" dirty="0" err="1"/>
-              <a:t>SysConfigListener</a:t>
-            </a:r>
-            <a:endParaRPr lang="en-US" altLang="zh-CN" sz="2800" b="1" dirty="0"/>
-          </a:p>
-          <a:p>
-            <a:endParaRPr lang="zh-CN" altLang="en-US" sz="2800" dirty="0"/>
-          </a:p>
-          <a:p>
-            <a:pPr marL="514350" indent="-514350">
-              <a:spcBef>
-                <a:spcPts val="600"/>
-              </a:spcBef>
-              <a:spcAft>
-                <a:spcPts val="600"/>
-              </a:spcAft>
-              <a:buFont typeface="+mj-lt"/>
-              <a:buAutoNum type="arabicPeriod"/>
-            </a:pPr>
-            <a:r>
-              <a:rPr lang="zh-CN" altLang="en-US" sz="2800" dirty="0"/>
-              <a:t>远端加载系统配置</a:t>
-            </a:r>
-          </a:p>
-          <a:p>
-            <a:pPr marL="514350" indent="-514350">
-              <a:spcBef>
-                <a:spcPts val="600"/>
-              </a:spcBef>
-              <a:spcAft>
-                <a:spcPts val="600"/>
-              </a:spcAft>
-              <a:buFont typeface="+mj-lt"/>
-              <a:buAutoNum type="arabicPeriod"/>
-            </a:pPr>
-            <a:r>
-              <a:rPr lang="zh-CN" altLang="en-US" sz="2800" dirty="0"/>
-              <a:t>存入</a:t>
-            </a:r>
-            <a:r>
-              <a:rPr lang="en-US" altLang="zh-CN" sz="2800" dirty="0" err="1"/>
-              <a:t>ConfigService</a:t>
-            </a:r>
-            <a:r>
-              <a:rPr lang="zh-CN" altLang="en-US" sz="2800" dirty="0"/>
-              <a:t>，处理系统配置热更新相关事宜「系统配置热更新本集成测试不涉及」</a:t>
-            </a:r>
-          </a:p>
-          <a:p>
-            <a:pPr marL="514350" indent="-514350">
-              <a:spcBef>
-                <a:spcPts val="600"/>
-              </a:spcBef>
-              <a:spcAft>
-                <a:spcPts val="600"/>
-              </a:spcAft>
-              <a:buFont typeface="+mj-lt"/>
-              <a:buAutoNum type="arabicPeriod"/>
-            </a:pPr>
-            <a:r>
-              <a:rPr lang="zh-CN" altLang="en-US" sz="2800" dirty="0"/>
-              <a:t>远端系统配置和本地配置文件合并「优先级：</a:t>
-            </a:r>
-            <a:r>
-              <a:rPr lang="en-US" altLang="zh-CN" sz="2800" dirty="0"/>
-              <a:t>`application-</a:t>
-            </a:r>
-            <a:r>
-              <a:rPr lang="en-US" altLang="zh-CN" sz="2800" dirty="0" err="1"/>
-              <a:t>local.properties</a:t>
-            </a:r>
-            <a:r>
-              <a:rPr lang="en-US" altLang="zh-CN" sz="2800" dirty="0"/>
-              <a:t>` &gt; </a:t>
-            </a:r>
-            <a:r>
-              <a:rPr lang="zh-CN" altLang="en-US" sz="2800" dirty="0"/>
-              <a:t>远端系统配置 </a:t>
-            </a:r>
-            <a:r>
-              <a:rPr lang="en-US" altLang="zh-CN" sz="2800" dirty="0"/>
-              <a:t>&gt; `</a:t>
-            </a:r>
-            <a:r>
-              <a:rPr lang="en-US" altLang="zh-CN" sz="2800" dirty="0" err="1"/>
-              <a:t>application.properties</a:t>
-            </a:r>
-            <a:r>
-              <a:rPr lang="en-US" altLang="zh-CN" sz="2800" dirty="0"/>
-              <a:t>` </a:t>
-            </a:r>
-            <a:r>
-              <a:rPr lang="zh-CN" altLang="en-US" sz="2800" dirty="0"/>
-              <a:t>」</a:t>
-            </a:r>
-          </a:p>
-          <a:p>
-            <a:pPr marL="514350" indent="-514350">
-              <a:spcBef>
-                <a:spcPts val="600"/>
-              </a:spcBef>
-              <a:spcAft>
-                <a:spcPts val="600"/>
-              </a:spcAft>
-              <a:buFont typeface="+mj-lt"/>
-              <a:buAutoNum type="arabicPeriod"/>
-            </a:pPr>
-            <a:r>
-              <a:rPr lang="zh-CN" altLang="en-US" sz="2800" dirty="0"/>
-              <a:t>合并后的 </a:t>
-            </a:r>
-            <a:r>
-              <a:rPr lang="en-US" altLang="zh-CN" sz="2800" dirty="0"/>
-              <a:t>`</a:t>
-            </a:r>
-            <a:r>
-              <a:rPr lang="en-US" altLang="zh-CN" sz="2800" dirty="0" err="1"/>
-              <a:t>PropertySource</a:t>
-            </a:r>
-            <a:r>
-              <a:rPr lang="en-US" altLang="zh-CN" sz="2800" dirty="0"/>
-              <a:t>` </a:t>
-            </a:r>
-            <a:r>
-              <a:rPr lang="zh-CN" altLang="en-US" sz="2800" dirty="0"/>
-              <a:t>作为 </a:t>
-            </a:r>
-            <a:r>
-              <a:rPr lang="en-US" altLang="zh-CN" sz="2800" dirty="0"/>
-              <a:t>Spring Boot </a:t>
-            </a:r>
-            <a:r>
-              <a:rPr lang="zh-CN" altLang="en-US" sz="2800" dirty="0"/>
-              <a:t>优先级最高的配置源</a:t>
-            </a:r>
-          </a:p>
-        </p:txBody>
-      </p:sp>
-    </p:spTree>
-    <p:extLst>
-      <p:ext uri="{BB962C8B-B14F-4D97-AF65-F5344CB8AC3E}">
-        <p14:creationId xmlns:p14="http://schemas.microsoft.com/office/powerpoint/2010/main" val="1710918519"/>
+        <p14:creationId xmlns:p14="http://schemas.microsoft.com/office/powerpoint/2010/main" val="3684088566"/>
       </p:ext>
     </p:extLst>
   </p:cSld>
@@ -3345,16 +3779,12 @@
           <a:lstStyle/>
           <a:p>
             <a:r>
+              <a:rPr lang="en-US" altLang="zh-CN" sz="3200" dirty="0"/>
+              <a:t>@MockBean</a:t>
+            </a:r>
+            <a:r>
               <a:rPr lang="zh-CN" altLang="en-US" sz="3200" dirty="0"/>
-              <a:t>配置中心原理分析 </a:t>
-            </a:r>
-            <a:r>
-              <a:rPr lang="en-US" altLang="zh-CN" sz="3200" dirty="0"/>
-              <a:t>– </a:t>
-            </a:r>
-            <a:r>
-              <a:rPr lang="zh-CN" altLang="en-US" sz="3200" b="1" dirty="0"/>
-              <a:t>简单业务配置</a:t>
+              <a:t>原理</a:t>
             </a:r>
           </a:p>
         </p:txBody>
@@ -3373,8 +3803,8 @@
         </p:nvSpPr>
         <p:spPr>
           <a:xfrm>
-            <a:off x="552894" y="1226979"/>
-            <a:ext cx="10845208" cy="5555367"/>
+            <a:off x="611373" y="1827718"/>
+            <a:ext cx="10845208" cy="3970318"/>
           </a:xfrm>
           <a:prstGeom prst="rect">
             <a:avLst/>
@@ -3388,119 +3818,119 @@
           <a:lstStyle/>
           <a:p>
             <a:r>
-              <a:rPr lang="en-US" altLang="zh-CN" sz="2800" b="1" dirty="0" err="1"/>
-              <a:t>SimBusiness</a:t>
+              <a:rPr lang="zh-CN" altLang="en-US" sz="2800" dirty="0"/>
+              <a:t>回顾</a:t>
+            </a:r>
+            <a:r>
+              <a:rPr lang="en-US" altLang="zh-CN" sz="2800" dirty="0"/>
+              <a:t>Spring Bean</a:t>
+            </a:r>
+            <a:r>
+              <a:rPr lang="zh-CN" altLang="en-US" sz="2800" dirty="0"/>
+              <a:t>的生命周期</a:t>
             </a:r>
             <a:endParaRPr lang="en-US" altLang="zh-CN" sz="2800" dirty="0"/>
           </a:p>
           <a:p>
-            <a:pPr>
-              <a:spcAft>
-                <a:spcPts val="1800"/>
-              </a:spcAft>
-            </a:pPr>
+            <a:endParaRPr lang="en-US" altLang="zh-CN" sz="2800" dirty="0"/>
+          </a:p>
+          <a:p>
+            <a:r>
+              <a:rPr lang="en-US" altLang="zh-CN" sz="2800" dirty="0" err="1"/>
+              <a:t>org.springframework.boot.test.mock.mockito.MockitoPostProcessor</a:t>
+            </a:r>
+            <a:endParaRPr lang="en-US" altLang="zh-CN" sz="2800" dirty="0"/>
+          </a:p>
+          <a:p>
+            <a:endParaRPr lang="en-US" altLang="zh-CN" sz="2800" dirty="0"/>
+          </a:p>
+          <a:p>
             <a:r>
               <a:rPr lang="en-US" altLang="zh-CN" sz="2800" dirty="0"/>
               <a:t>1. </a:t>
             </a:r>
             <a:r>
               <a:rPr lang="zh-CN" altLang="en-US" sz="2800" dirty="0"/>
-              <a:t>基于</a:t>
+              <a:t>上述 </a:t>
             </a:r>
             <a:r>
               <a:rPr lang="en-US" altLang="zh-CN" sz="2800" dirty="0"/>
-              <a:t>Spring SPI</a:t>
-            </a:r>
-            <a:r>
-              <a:rPr lang="zh-CN" altLang="en-US" sz="2800" dirty="0"/>
-              <a:t>机制，加载 </a:t>
-            </a:r>
-            <a:r>
-              <a:rPr lang="en-US" altLang="zh-CN" sz="2800" dirty="0" err="1"/>
-              <a:t>SimbusinessStarterAutoConfiguration</a:t>
+              <a:t>bean </a:t>
+            </a:r>
+            <a:r>
+              <a:rPr lang="zh-CN" altLang="en-US" sz="2800" dirty="0"/>
+              <a:t>初始化时即获知所有加注了 </a:t>
             </a:r>
             <a:r>
               <a:rPr lang="en-US" altLang="zh-CN" sz="2800" dirty="0"/>
-              <a:t> -&gt; </a:t>
-            </a:r>
-            <a:r>
-              <a:rPr lang="en-US" altLang="zh-CN" sz="2800" dirty="0" err="1"/>
-              <a:t>SimbusinessPostProcessor</a:t>
-            </a:r>
-            <a:endParaRPr lang="en-US" altLang="zh-CN" sz="2800" dirty="0"/>
-          </a:p>
-          <a:p>
-            <a:pPr>
-              <a:spcAft>
-                <a:spcPts val="1800"/>
-              </a:spcAft>
-            </a:pPr>
+              <a:t>@MockBean </a:t>
+            </a:r>
+            <a:r>
+              <a:rPr lang="zh-CN" altLang="en-US" sz="2800" dirty="0"/>
+              <a:t>的 </a:t>
+            </a:r>
+            <a:r>
+              <a:rPr lang="en-US" altLang="zh-CN" sz="2800" dirty="0"/>
+              <a:t>bean</a:t>
+            </a:r>
+          </a:p>
+          <a:p>
             <a:r>
               <a:rPr lang="en-US" altLang="zh-CN" sz="2800" dirty="0"/>
               <a:t>2. </a:t>
             </a:r>
             <a:r>
               <a:rPr lang="zh-CN" altLang="en-US" sz="2800" dirty="0"/>
-              <a:t>调用方法，</a:t>
+              <a:t>在执行 </a:t>
+            </a:r>
+            <a:r>
+              <a:rPr lang="en-US" altLang="zh-CN" sz="2800" dirty="0"/>
+              <a:t>#postProcessBeanFactory </a:t>
+            </a:r>
+            <a:r>
+              <a:rPr lang="zh-CN" altLang="en-US" sz="2800" dirty="0"/>
+              <a:t>时，创建并注册了需 </a:t>
+            </a:r>
+            <a:r>
+              <a:rPr lang="en-US" altLang="zh-CN" sz="2800" dirty="0"/>
+              <a:t>mock </a:t>
+            </a:r>
+            <a:r>
+              <a:rPr lang="zh-CN" altLang="en-US" sz="2800" dirty="0"/>
+              <a:t>的 </a:t>
+            </a:r>
+            <a:r>
+              <a:rPr lang="en-US" altLang="zh-CN" sz="2800" dirty="0"/>
+              <a:t>bean </a:t>
+            </a:r>
+            <a:r>
+              <a:rPr lang="zh-CN" altLang="en-US" sz="2800" dirty="0"/>
+              <a:t>的 </a:t>
             </a:r>
             <a:r>
               <a:rPr lang="en-US" altLang="zh-CN" sz="2800" dirty="0" err="1"/>
-              <a:t>AbstractConfigEntrypointProcessor#postProcessBeanFactory</a:t>
-            </a:r>
-            <a:r>
-              <a:rPr lang="zh-CN" altLang="en-US" sz="2800" dirty="0"/>
-              <a:t>，将配置从远端拉到本地。</a:t>
-            </a:r>
-            <a:endParaRPr lang="en-US" altLang="zh-CN" sz="2800" dirty="0"/>
-          </a:p>
-          <a:p>
-            <a:pPr>
-              <a:spcAft>
-                <a:spcPts val="1800"/>
-              </a:spcAft>
-            </a:pPr>
+              <a:t>RootBeanDefinition</a:t>
+            </a:r>
+            <a:r>
+              <a:rPr lang="zh-CN" altLang="en-US" sz="2800" dirty="0"/>
+              <a:t>，以及 </a:t>
+            </a:r>
+            <a:r>
+              <a:rPr lang="en-US" altLang="zh-CN" sz="2800" dirty="0"/>
+              <a:t>Bean </a:t>
+            </a:r>
+            <a:r>
+              <a:rPr lang="zh-CN" altLang="en-US" sz="2800" dirty="0"/>
+              <a:t>实例</a:t>
+            </a:r>
+          </a:p>
+          <a:p>
             <a:endParaRPr lang="zh-CN" altLang="en-US" sz="2800" dirty="0"/>
           </a:p>
           <a:p>
-            <a:pPr>
-              <a:spcAft>
-                <a:spcPts val="1800"/>
-              </a:spcAft>
-            </a:pPr>
-            <a:r>
-              <a:rPr lang="zh-CN" altLang="en-US" sz="2800" b="1" dirty="0"/>
-              <a:t>作用</a:t>
-            </a:r>
-            <a:endParaRPr lang="en-US" altLang="zh-CN" sz="2800" b="1" dirty="0"/>
-          </a:p>
-          <a:p>
-            <a:pPr>
-              <a:spcAft>
-                <a:spcPts val="1800"/>
-              </a:spcAft>
-            </a:pPr>
             <a:r>
               <a:rPr lang="en-US" altLang="zh-CN" sz="2800" dirty="0"/>
-              <a:t>1. </a:t>
-            </a:r>
-            <a:r>
-              <a:rPr lang="zh-CN" altLang="en-US" sz="2800" dirty="0"/>
-              <a:t>全量拉取远端业务配置</a:t>
-            </a:r>
-          </a:p>
-          <a:p>
-            <a:pPr>
-              <a:spcAft>
-                <a:spcPts val="1800"/>
-              </a:spcAft>
-            </a:pPr>
-            <a:r>
-              <a:rPr lang="en-US" altLang="zh-CN" sz="2800" dirty="0"/>
-              <a:t>2. </a:t>
-            </a:r>
-            <a:r>
-              <a:rPr lang="zh-CN" altLang="en-US" sz="2800" dirty="0"/>
-              <a:t>设定定时任务，周期性更新本地业务配置。</a:t>
+              <a:t>#postProcessBeanFactory -&gt; #registerMock</a:t>
             </a:r>
           </a:p>
         </p:txBody>
@@ -3508,7 +3938,7 @@
     </p:spTree>
     <p:extLst>
       <p:ext uri="{BB962C8B-B14F-4D97-AF65-F5344CB8AC3E}">
-        <p14:creationId xmlns:p14="http://schemas.microsoft.com/office/powerpoint/2010/main" val="4269569790"/>
+        <p14:creationId xmlns:p14="http://schemas.microsoft.com/office/powerpoint/2010/main" val="692653959"/>
       </p:ext>
     </p:extLst>
   </p:cSld>
@@ -3557,214 +3987,6 @@
           <a:lstStyle/>
           <a:p>
             <a:r>
-              <a:rPr lang="en-US" altLang="zh-CN" sz="3200" dirty="0"/>
-              <a:t>@MockBean</a:t>
-            </a:r>
-            <a:r>
-              <a:rPr lang="zh-CN" altLang="en-US" sz="3200" dirty="0"/>
-              <a:t>原理</a:t>
-            </a:r>
-          </a:p>
-        </p:txBody>
-      </p:sp>
-      <p:sp>
-        <p:nvSpPr>
-          <p:cNvPr id="5" name="文本框 4">
-            <a:extLst>
-              <a:ext uri="{FF2B5EF4-FFF2-40B4-BE49-F238E27FC236}">
-                <a16:creationId xmlns:a16="http://schemas.microsoft.com/office/drawing/2014/main" id="{8C1A2279-D518-4771-AC4D-6BE3C22B9F9D}"/>
-              </a:ext>
-            </a:extLst>
-          </p:cNvPr>
-          <p:cNvSpPr txBox="1"/>
-          <p:nvPr/>
-        </p:nvSpPr>
-        <p:spPr>
-          <a:xfrm>
-            <a:off x="611373" y="1827718"/>
-            <a:ext cx="10845208" cy="3970318"/>
-          </a:xfrm>
-          <a:prstGeom prst="rect">
-            <a:avLst/>
-          </a:prstGeom>
-          <a:noFill/>
-        </p:spPr>
-        <p:txBody>
-          <a:bodyPr wrap="square">
-            <a:spAutoFit/>
-          </a:bodyPr>
-          <a:lstStyle/>
-          <a:p>
-            <a:r>
-              <a:rPr lang="zh-CN" altLang="en-US" sz="2800" dirty="0"/>
-              <a:t>回顾</a:t>
-            </a:r>
-            <a:r>
-              <a:rPr lang="en-US" altLang="zh-CN" sz="2800" dirty="0"/>
-              <a:t>Spring Bean</a:t>
-            </a:r>
-            <a:r>
-              <a:rPr lang="zh-CN" altLang="en-US" sz="2800" dirty="0"/>
-              <a:t>的生命周期</a:t>
-            </a:r>
-            <a:endParaRPr lang="en-US" altLang="zh-CN" sz="2800" dirty="0"/>
-          </a:p>
-          <a:p>
-            <a:endParaRPr lang="en-US" altLang="zh-CN" sz="2800" dirty="0"/>
-          </a:p>
-          <a:p>
-            <a:r>
-              <a:rPr lang="en-US" altLang="zh-CN" sz="2800" dirty="0" err="1"/>
-              <a:t>org.springframework.boot.test.mock.mockito.MockitoPostProcessor</a:t>
-            </a:r>
-            <a:endParaRPr lang="en-US" altLang="zh-CN" sz="2800" dirty="0"/>
-          </a:p>
-          <a:p>
-            <a:endParaRPr lang="en-US" altLang="zh-CN" sz="2800" dirty="0"/>
-          </a:p>
-          <a:p>
-            <a:r>
-              <a:rPr lang="en-US" altLang="zh-CN" sz="2800" dirty="0"/>
-              <a:t>1. </a:t>
-            </a:r>
-            <a:r>
-              <a:rPr lang="zh-CN" altLang="en-US" sz="2800" dirty="0"/>
-              <a:t>上述 </a:t>
-            </a:r>
-            <a:r>
-              <a:rPr lang="en-US" altLang="zh-CN" sz="2800" dirty="0"/>
-              <a:t>bean </a:t>
-            </a:r>
-            <a:r>
-              <a:rPr lang="zh-CN" altLang="en-US" sz="2800" dirty="0"/>
-              <a:t>初始化时即获知所有加注了 </a:t>
-            </a:r>
-            <a:r>
-              <a:rPr lang="en-US" altLang="zh-CN" sz="2800" dirty="0"/>
-              <a:t>@MockBean </a:t>
-            </a:r>
-            <a:r>
-              <a:rPr lang="zh-CN" altLang="en-US" sz="2800" dirty="0"/>
-              <a:t>的 </a:t>
-            </a:r>
-            <a:r>
-              <a:rPr lang="en-US" altLang="zh-CN" sz="2800" dirty="0"/>
-              <a:t>bean</a:t>
-            </a:r>
-          </a:p>
-          <a:p>
-            <a:r>
-              <a:rPr lang="en-US" altLang="zh-CN" sz="2800" dirty="0"/>
-              <a:t>2. </a:t>
-            </a:r>
-            <a:r>
-              <a:rPr lang="zh-CN" altLang="en-US" sz="2800" dirty="0"/>
-              <a:t>在执行 </a:t>
-            </a:r>
-            <a:r>
-              <a:rPr lang="en-US" altLang="zh-CN" sz="2800" dirty="0"/>
-              <a:t>#postProcessBeanFactory </a:t>
-            </a:r>
-            <a:r>
-              <a:rPr lang="zh-CN" altLang="en-US" sz="2800" dirty="0"/>
-              <a:t>时，创建并注册了需 </a:t>
-            </a:r>
-            <a:r>
-              <a:rPr lang="en-US" altLang="zh-CN" sz="2800" dirty="0"/>
-              <a:t>mock </a:t>
-            </a:r>
-            <a:r>
-              <a:rPr lang="zh-CN" altLang="en-US" sz="2800" dirty="0"/>
-              <a:t>的 </a:t>
-            </a:r>
-            <a:r>
-              <a:rPr lang="en-US" altLang="zh-CN" sz="2800" dirty="0"/>
-              <a:t>bean </a:t>
-            </a:r>
-            <a:r>
-              <a:rPr lang="zh-CN" altLang="en-US" sz="2800" dirty="0"/>
-              <a:t>的 </a:t>
-            </a:r>
-            <a:r>
-              <a:rPr lang="en-US" altLang="zh-CN" sz="2800" dirty="0" err="1"/>
-              <a:t>RootBeanDefinition</a:t>
-            </a:r>
-            <a:r>
-              <a:rPr lang="zh-CN" altLang="en-US" sz="2800" dirty="0"/>
-              <a:t>，以及 </a:t>
-            </a:r>
-            <a:r>
-              <a:rPr lang="en-US" altLang="zh-CN" sz="2800" dirty="0"/>
-              <a:t>Bean </a:t>
-            </a:r>
-            <a:r>
-              <a:rPr lang="zh-CN" altLang="en-US" sz="2800" dirty="0"/>
-              <a:t>实例</a:t>
-            </a:r>
-          </a:p>
-          <a:p>
-            <a:endParaRPr lang="zh-CN" altLang="en-US" sz="2800" dirty="0"/>
-          </a:p>
-          <a:p>
-            <a:r>
-              <a:rPr lang="en-US" altLang="zh-CN" sz="2800" dirty="0"/>
-              <a:t>#postProcessBeanFactory -&gt; #registerMock</a:t>
-            </a:r>
-          </a:p>
-        </p:txBody>
-      </p:sp>
-    </p:spTree>
-    <p:extLst>
-      <p:ext uri="{BB962C8B-B14F-4D97-AF65-F5344CB8AC3E}">
-        <p14:creationId xmlns:p14="http://schemas.microsoft.com/office/powerpoint/2010/main" val="692653959"/>
-      </p:ext>
-    </p:extLst>
-  </p:cSld>
-  <p:clrMapOvr>
-    <a:masterClrMapping/>
-  </p:clrMapOvr>
-</p:sld>
-</file>
-
-<file path=ppt/slides/slide18.xml><?xml version="1.0" encoding="utf-8"?>
-<p:sld xmlns:a="http://schemas.openxmlformats.org/drawingml/2006/main" xmlns:r="http://schemas.openxmlformats.org/officeDocument/2006/relationships" xmlns:p="http://schemas.openxmlformats.org/presentationml/2006/main">
-  <p:cSld>
-    <p:spTree>
-      <p:nvGrpSpPr>
-        <p:cNvPr id="1" name=""/>
-        <p:cNvGrpSpPr/>
-        <p:nvPr/>
-      </p:nvGrpSpPr>
-      <p:grpSpPr>
-        <a:xfrm>
-          <a:off x="0" y="0"/>
-          <a:ext cx="0" cy="0"/>
-          <a:chOff x="0" y="0"/>
-          <a:chExt cx="0" cy="0"/>
-        </a:xfrm>
-      </p:grpSpPr>
-      <p:sp>
-        <p:nvSpPr>
-          <p:cNvPr id="2" name="标题 1">
-            <a:extLst>
-              <a:ext uri="{FF2B5EF4-FFF2-40B4-BE49-F238E27FC236}">
-                <a16:creationId xmlns:a16="http://schemas.microsoft.com/office/drawing/2014/main" id="{35F0ACFF-60AB-4ACD-840E-BB2487271F91}"/>
-              </a:ext>
-            </a:extLst>
-          </p:cNvPr>
-          <p:cNvSpPr>
-            <a:spLocks noGrp="1"/>
-          </p:cNvSpPr>
-          <p:nvPr>
-            <p:ph type="title"/>
-          </p:nvPr>
-        </p:nvSpPr>
-        <p:spPr/>
-        <p:txBody>
-          <a:bodyPr/>
-          <a:lstStyle/>
-          <a:p>
-            <a:r>
               <a:rPr lang="en-US" altLang="zh-CN" sz="3200" dirty="0" err="1"/>
               <a:t>jacoco</a:t>
             </a:r>
@@ -3992,7 +4214,7 @@
 </p:sld>
 </file>
 
-<file path=ppt/slides/slide19.xml><?xml version="1.0" encoding="utf-8"?>
+<file path=ppt/slides/slide18.xml><?xml version="1.0" encoding="utf-8"?>
 <p:sld xmlns:a="http://schemas.openxmlformats.org/drawingml/2006/main" xmlns:r="http://schemas.openxmlformats.org/officeDocument/2006/relationships" xmlns:p="http://schemas.openxmlformats.org/presentationml/2006/main">
   <p:cSld>
     <p:spTree>
@@ -4286,7 +4508,7 @@
           <a:p>
             <a:r>
               <a:rPr lang="zh-CN" altLang="en-US" sz="2800" dirty="0"/>
-              <a:t>软件开发正在变得越来越复杂。测试可以让我们在越来越复杂的软件开发中能够稳步前行。</a:t>
+              <a:t>软件开发正在变得越来越复杂。测试可以让我们在越来越复杂的软件开发中走的更稳。</a:t>
             </a:r>
           </a:p>
           <a:p>
@@ -4299,7 +4521,15 @@
             </a:pPr>
             <a:r>
               <a:rPr lang="zh-CN" altLang="en-US" sz="2800" dirty="0"/>
-              <a:t>在编写新功能时，测试可以让我们的代码正确性得到验证，让我们拥有一个个稳定的模块。</a:t>
+              <a:t>在编写新功能时，测试可以让我们的代码正确性得到验证，让我们拥有一个个</a:t>
+            </a:r>
+            <a:r>
+              <a:rPr lang="zh-CN" altLang="en-US" sz="2800" b="1" dirty="0"/>
+              <a:t>稳定的模块</a:t>
+            </a:r>
+            <a:r>
+              <a:rPr lang="zh-CN" altLang="en-US" sz="2800" dirty="0"/>
+              <a:t>。</a:t>
             </a:r>
           </a:p>
           <a:p>
@@ -4316,7 +4546,11 @@
             </a:pPr>
             <a:r>
               <a:rPr lang="zh-CN" altLang="en-US" sz="2800" dirty="0"/>
-              <a:t>测试可以帮助我们在长期的过程中不断回归，让每一步走得更稳。隔离变化，逐步编写稳定的代码。</a:t>
+              <a:t>测试可以帮助我们在长期的过程中不断回归，让每一步走得更稳。</a:t>
+            </a:r>
+            <a:r>
+              <a:rPr lang="zh-CN" altLang="en-US" sz="2800" b="1" dirty="0"/>
+              <a:t>隔离变化，逐步编写稳定的代码。</a:t>
             </a:r>
           </a:p>
           <a:p>
@@ -4435,8 +4669,16 @@
           </a:p>
           <a:p>
             <a:r>
-              <a:rPr lang="zh-CN" altLang="en-US" sz="2800" dirty="0"/>
-              <a:t>程序员的出发点是实现，而测试人员的出发点是业务。作为一个程序员，我们会把更多的时间放在关于技术实现的思考上，我们在发现问题上的训练强度是远远不够的。所以，人们常说，别用你的业余爱好去挑战别人吃饭的本事。</a:t>
+              <a:rPr lang="zh-CN" altLang="en-US" sz="2800" dirty="0">
+                <a:solidFill>
+                  <a:srgbClr val="FF0000"/>
+                </a:solidFill>
+              </a:rPr>
+              <a:t>程序员的出发点是实现，而测试人员的出发点是业务</a:t>
+            </a:r>
+            <a:r>
+              <a:rPr lang="zh-CN" altLang="en-US" sz="2800" dirty="0"/>
+              <a:t>。作为一个程序员，我们会把更多的时间放在关于技术实现的思考上，我们在发现问题上的训练强度是远远不够的。所以，人们常说，别用你的业余爱好去挑战别人吃饭的本事。</a:t>
             </a:r>
           </a:p>
           <a:p>
@@ -4451,7 +4693,19 @@
           <a:p>
             <a:r>
               <a:rPr lang="zh-CN" altLang="en-US" sz="2800" dirty="0"/>
-              <a:t>测试人员并没有得到充分的发挥。只有程序员做好了自己的测试，测试人员才能从日常琐碎的验证工作中解脱出来，去做更有价值的测试。</a:t>
+              <a:t>测试人员并没有得到充分的发挥。只有程序员做好了自己的测试，测试人员才能从日常琐碎的验证工作中解脱出来，去做</a:t>
+            </a:r>
+            <a:r>
+              <a:rPr lang="zh-CN" altLang="en-US" sz="2800" dirty="0">
+                <a:solidFill>
+                  <a:srgbClr val="FF0000"/>
+                </a:solidFill>
+              </a:rPr>
+              <a:t>更有价值的测试</a:t>
+            </a:r>
+            <a:r>
+              <a:rPr lang="zh-CN" altLang="en-US" sz="2800" dirty="0"/>
+              <a:t>。</a:t>
             </a:r>
           </a:p>
         </p:txBody>
@@ -4667,15 +4921,7 @@
           <a:p>
             <a:r>
               <a:rPr lang="zh-CN" altLang="en-US" sz="3200" dirty="0"/>
-              <a:t>保证自己编写的代码 </a:t>
-            </a:r>
-            <a:r>
-              <a:rPr lang="en-US" altLang="zh-CN" sz="3200" dirty="0"/>
-              <a:t>100% </a:t>
-            </a:r>
-            <a:r>
-              <a:rPr lang="zh-CN" altLang="en-US" sz="3200" dirty="0"/>
-              <a:t>测试覆盖</a:t>
+              <a:t>集成测试</a:t>
             </a:r>
           </a:p>
         </p:txBody>
@@ -4694,8 +4940,8 @@
         </p:nvSpPr>
         <p:spPr>
           <a:xfrm>
-            <a:off x="1661746" y="2208316"/>
-            <a:ext cx="8868508" cy="3108543"/>
+            <a:off x="649472" y="1659285"/>
+            <a:ext cx="10893055" cy="3539430"/>
           </a:xfrm>
           <a:prstGeom prst="rect">
             <a:avLst/>
@@ -4708,65 +4954,45 @@
           </a:bodyPr>
           <a:lstStyle/>
           <a:p>
-            <a:pPr marL="457200" indent="-457200">
-              <a:buFont typeface="Arial" panose="020B0604020202020204" pitchFamily="34" charset="0"/>
-              <a:buChar char="•"/>
-            </a:pPr>
+            <a:r>
+              <a:rPr lang="en-US" altLang="zh-CN" sz="2800" dirty="0"/>
+              <a:t>100% </a:t>
+            </a:r>
+            <a:r>
+              <a:rPr lang="zh-CN" altLang="en-US" sz="2800" dirty="0"/>
+              <a:t>的单元测试也不能解决所有的问题。我们在编写每个单元时都会假设这些单元彼此之间能够很好地协同，但这个假设不成立。除了要保证单元的正确，我们还要保证单元之间的协作也是正确的。</a:t>
+            </a:r>
+            <a:endParaRPr lang="en-US" altLang="zh-CN" sz="2800" dirty="0"/>
+          </a:p>
+          <a:p>
+            <a:endParaRPr lang="en-US" altLang="zh-CN" sz="2800" b="1" dirty="0"/>
+          </a:p>
+          <a:p>
             <a:r>
               <a:rPr lang="zh-CN" altLang="en-US" sz="2800" b="1" dirty="0"/>
-              <a:t>要有可测试的设计</a:t>
-            </a:r>
-            <a:r>
-              <a:rPr lang="zh-CN" altLang="en-US" sz="2800" dirty="0"/>
-              <a:t>，保证自己的代码完全可控</a:t>
+              <a:t>相对于单元测试只关注单元行为，集成测试关注的多个组件协同工作的表现。</a:t>
+            </a:r>
+          </a:p>
+          <a:p>
+            <a:endParaRPr lang="zh-CN" altLang="en-US" sz="2800" dirty="0"/>
+          </a:p>
+          <a:p>
+            <a:r>
+              <a:rPr lang="zh-CN" altLang="en-US" sz="2800" b="1" dirty="0"/>
+              <a:t>集成测试的意义：</a:t>
+            </a:r>
+            <a:r>
+              <a:rPr lang="zh-CN" altLang="en-US" sz="2800" dirty="0"/>
+              <a:t>保证组件之间协作的正确性</a:t>
             </a:r>
             <a:endParaRPr lang="en-US" altLang="zh-CN" sz="2800" dirty="0"/>
-          </a:p>
-          <a:p>
-            <a:pPr marL="457200" indent="-457200">
-              <a:buFont typeface="Arial" panose="020B0604020202020204" pitchFamily="34" charset="0"/>
-              <a:buChar char="•"/>
-            </a:pPr>
-            <a:endParaRPr lang="zh-CN" altLang="en-US" sz="2800" dirty="0"/>
-          </a:p>
-          <a:p>
-            <a:pPr marL="457200" indent="-457200">
-              <a:buFont typeface="Arial" panose="020B0604020202020204" pitchFamily="34" charset="0"/>
-              <a:buChar char="•"/>
-            </a:pPr>
-            <a:r>
-              <a:rPr lang="zh-CN" altLang="en-US" sz="2800" b="1" dirty="0"/>
-              <a:t>测试和代码同步写</a:t>
-            </a:r>
-            <a:endParaRPr lang="en-US" altLang="zh-CN" sz="2800" b="1" dirty="0"/>
-          </a:p>
-          <a:p>
-            <a:pPr marL="457200" indent="-457200">
-              <a:buFont typeface="Arial" panose="020B0604020202020204" pitchFamily="34" charset="0"/>
-              <a:buChar char="•"/>
-            </a:pPr>
-            <a:endParaRPr lang="zh-CN" altLang="en-US" sz="2800" dirty="0"/>
-          </a:p>
-          <a:p>
-            <a:pPr marL="457200" indent="-457200">
-              <a:buFont typeface="Arial" panose="020B0604020202020204" pitchFamily="34" charset="0"/>
-              <a:buChar char="•"/>
-            </a:pPr>
-            <a:r>
-              <a:rPr lang="zh-CN" altLang="en-US" sz="2800" b="1" dirty="0"/>
-              <a:t>隔离难以测试的代码</a:t>
-            </a:r>
-            <a:r>
-              <a:rPr lang="zh-CN" altLang="en-US" sz="2800" dirty="0"/>
-              <a:t>：对于无法测试到第三方代码，要用一个薄薄的隔离层将代码隔离出去，在构建脚本中将隔离层排除在外。</a:t>
-            </a:r>
           </a:p>
         </p:txBody>
       </p:sp>
     </p:spTree>
     <p:extLst>
       <p:ext uri="{BB962C8B-B14F-4D97-AF65-F5344CB8AC3E}">
-        <p14:creationId xmlns:p14="http://schemas.microsoft.com/office/powerpoint/2010/main" val="259677225"/>
+        <p14:creationId xmlns:p14="http://schemas.microsoft.com/office/powerpoint/2010/main" val="1684568139"/>
       </p:ext>
     </p:extLst>
   </p:cSld>
@@ -4816,7 +5042,7 @@
           <a:p>
             <a:r>
               <a:rPr lang="zh-CN" altLang="en-US" sz="3200" dirty="0"/>
-              <a:t>集成测试</a:t>
+              <a:t>代码之间的集成的最佳实践</a:t>
             </a:r>
           </a:p>
         </p:txBody>
@@ -4835,8 +5061,8 @@
         </p:nvSpPr>
         <p:spPr>
           <a:xfrm>
-            <a:off x="649472" y="1181687"/>
-            <a:ext cx="10893055" cy="5262979"/>
+            <a:off x="239233" y="1277380"/>
+            <a:ext cx="10893055" cy="2739211"/>
           </a:xfrm>
           <a:prstGeom prst="rect">
             <a:avLst/>
@@ -4850,61 +5076,152 @@
           <a:lstStyle/>
           <a:p>
             <a:r>
-              <a:rPr lang="en-US" altLang="zh-CN" sz="2800" dirty="0"/>
-              <a:t>100% </a:t>
-            </a:r>
-            <a:r>
-              <a:rPr lang="zh-CN" altLang="en-US" sz="2800" dirty="0"/>
-              <a:t>的单元测试也不能解决所有的问题。有一个重要的原因在于，我们在编写每个单元时都会假设这些单元彼此之间能够很好地协同，但这个假设不成立。除了要保证单元的正确，我们还要保证单元之间的协作也是正确的。</a:t>
-            </a:r>
+              <a:rPr lang="en-US" altLang="zh-CN" sz="2800" b="1" dirty="0"/>
+              <a:t>1) </a:t>
+            </a:r>
+            <a:r>
+              <a:rPr lang="zh-CN" altLang="en-US" sz="2800" b="1" dirty="0"/>
+              <a:t>选择一条任务执行的路径，把用到的组件集成到一起进行测试</a:t>
+            </a:r>
+            <a:endParaRPr lang="zh-CN" altLang="en-US" sz="2800" dirty="0"/>
+          </a:p>
+          <a:p>
+            <a:r>
+              <a:rPr lang="zh-CN" altLang="en-US" sz="2000" dirty="0"/>
+              <a:t>单元测试完善后，意味着每个组件都已经经过了测试。集成测试关注整条链路的正确性。</a:t>
+            </a:r>
+            <a:endParaRPr lang="en-US" altLang="zh-CN" sz="2000" dirty="0"/>
+          </a:p>
+          <a:p>
             <a:endParaRPr lang="en-US" altLang="zh-CN" sz="2800" dirty="0"/>
           </a:p>
           <a:p>
-            <a:endParaRPr lang="en-US" altLang="zh-CN" sz="2800" b="1" dirty="0"/>
-          </a:p>
-          <a:p>
+            <a:endParaRPr lang="zh-CN" altLang="en-US" sz="2800" dirty="0"/>
+          </a:p>
+          <a:p>
+            <a:r>
+              <a:rPr lang="en-US" altLang="zh-CN" sz="2800" b="1" dirty="0"/>
+              <a:t>2) </a:t>
+            </a:r>
             <a:r>
               <a:rPr lang="zh-CN" altLang="en-US" sz="2800" b="1" dirty="0"/>
-              <a:t>相对于单元测试只关注单元行为，集成测试关注的多个组件协同工作的表现。</a:t>
-            </a:r>
-          </a:p>
-          <a:p>
+              <a:t>将框架集成进来，做一个完整的集成测试。</a:t>
+            </a:r>
             <a:endParaRPr lang="zh-CN" altLang="en-US" sz="2800" dirty="0"/>
           </a:p>
           <a:p>
             <a:r>
+              <a:rPr lang="zh-CN" altLang="en-US" sz="2000" dirty="0"/>
+              <a:t>尽可能地去集成，尽可能接近真实场景。如果我们能够把整个框架集成起来，这些东西也就可以验证了。</a:t>
+            </a:r>
+            <a:endParaRPr lang="en-US" altLang="zh-CN" sz="2000" dirty="0"/>
+          </a:p>
+        </p:txBody>
+      </p:sp>
+      <p:pic>
+        <p:nvPicPr>
+          <p:cNvPr id="5" name="图片 4">
+            <a:extLst>
+              <a:ext uri="{FF2B5EF4-FFF2-40B4-BE49-F238E27FC236}">
+                <a16:creationId xmlns:a16="http://schemas.microsoft.com/office/drawing/2014/main" id="{D31906F4-8CC2-4505-AF79-741B4890A2B9}"/>
+              </a:ext>
+            </a:extLst>
+          </p:cNvPr>
+          <p:cNvPicPr>
+            <a:picLocks noChangeAspect="1"/>
+          </p:cNvPicPr>
+          <p:nvPr/>
+        </p:nvPicPr>
+        <p:blipFill>
+          <a:blip r:embed="rId2"/>
+          <a:stretch>
+            <a:fillRect/>
+          </a:stretch>
+        </p:blipFill>
+        <p:spPr>
+          <a:xfrm>
+            <a:off x="5168002" y="4424912"/>
+            <a:ext cx="7023998" cy="2433511"/>
+          </a:xfrm>
+          <a:prstGeom prst="rect">
+            <a:avLst/>
+          </a:prstGeom>
+        </p:spPr>
+      </p:pic>
+      <p:sp>
+        <p:nvSpPr>
+          <p:cNvPr id="7" name="文本框 6">
+            <a:extLst>
+              <a:ext uri="{FF2B5EF4-FFF2-40B4-BE49-F238E27FC236}">
+                <a16:creationId xmlns:a16="http://schemas.microsoft.com/office/drawing/2014/main" id="{7B2988AD-995C-4F23-BE85-72E6BCC7C9C4}"/>
+              </a:ext>
+            </a:extLst>
+          </p:cNvPr>
+          <p:cNvSpPr txBox="1"/>
+          <p:nvPr/>
+        </p:nvSpPr>
+        <p:spPr>
+          <a:xfrm>
+            <a:off x="239233" y="4424912"/>
+            <a:ext cx="5092995" cy="1877437"/>
+          </a:xfrm>
+          <a:prstGeom prst="rect">
+            <a:avLst/>
+          </a:prstGeom>
+          <a:noFill/>
+        </p:spPr>
+        <p:txBody>
+          <a:bodyPr wrap="square">
+            <a:spAutoFit/>
+          </a:bodyPr>
+          <a:lstStyle/>
+          <a:p>
+            <a:r>
+              <a:rPr lang="en-US" altLang="zh-CN" sz="2800" b="1" dirty="0"/>
+              <a:t>3) </a:t>
+            </a:r>
+            <a:r>
               <a:rPr lang="zh-CN" altLang="en-US" sz="2800" b="1" dirty="0"/>
-              <a:t>集成测试的意义</a:t>
-            </a:r>
-          </a:p>
-          <a:p>
-            <a:pPr marL="457200" indent="-457200">
-              <a:buFont typeface="Arial" panose="020B0604020202020204" pitchFamily="34" charset="0"/>
-              <a:buChar char="•"/>
-            </a:pPr>
-            <a:r>
-              <a:rPr lang="zh-CN" altLang="en-US" sz="2800" dirty="0"/>
-              <a:t>是为了保证组件之间协作的正确性；</a:t>
-            </a:r>
-          </a:p>
-          <a:p>
-            <a:pPr marL="457200" indent="-457200">
-              <a:buFont typeface="Arial" panose="020B0604020202020204" pitchFamily="34" charset="0"/>
-              <a:buChar char="•"/>
-            </a:pPr>
-            <a:r>
-              <a:rPr lang="zh-CN" altLang="en-US" sz="2800" dirty="0"/>
-              <a:t>需要利用与产品代码相同的组件组装过程；</a:t>
-            </a:r>
-          </a:p>
-          <a:p>
-            <a:pPr marL="457200" indent="-457200">
-              <a:buFont typeface="Arial" panose="020B0604020202020204" pitchFamily="34" charset="0"/>
-              <a:buChar char="•"/>
-            </a:pPr>
-            <a:r>
-              <a:rPr lang="zh-CN" altLang="en-US" sz="2800" dirty="0"/>
-              <a:t>可以把已经测试好的稳定组件当做基础。</a:t>
+              <a:t>组件之间的集成逻辑，不做单元测试</a:t>
+            </a:r>
+            <a:endParaRPr lang="zh-CN" altLang="en-US" sz="2800" dirty="0"/>
+          </a:p>
+          <a:p>
+            <a:r>
+              <a:rPr lang="zh-CN" altLang="en-US" sz="2000" dirty="0"/>
+              <a:t>这部分代码实际上只是对业务逻辑做一个简单的封装，非常薄。</a:t>
+            </a:r>
+            <a:r>
+              <a:rPr lang="zh-CN" altLang="en-US" sz="2000" b="1" dirty="0"/>
+              <a:t>在这里用集成测试代替单元测试</a:t>
+            </a:r>
+            <a:r>
+              <a:rPr lang="zh-CN" altLang="en-US" sz="2000" dirty="0"/>
+              <a:t>。</a:t>
+            </a:r>
+            <a:r>
+              <a:rPr lang="zh-CN" altLang="en-US" sz="2000" dirty="0">
+                <a:solidFill>
+                  <a:srgbClr val="FF0000"/>
+                </a:solidFill>
+              </a:rPr>
+              <a:t>例如</a:t>
+            </a:r>
+            <a:r>
+              <a:rPr lang="en-US" altLang="zh-CN" sz="2000" dirty="0" err="1">
+                <a:solidFill>
+                  <a:srgbClr val="FF0000"/>
+                </a:solidFill>
+              </a:rPr>
+              <a:t>BizFlow</a:t>
+            </a:r>
+            <a:r>
+              <a:rPr lang="zh-CN" altLang="en-US" sz="2000" dirty="0">
+                <a:solidFill>
+                  <a:srgbClr val="FF0000"/>
+                </a:solidFill>
+              </a:rPr>
+              <a:t>。</a:t>
             </a:r>
           </a:p>
         </p:txBody>
@@ -4912,7 +5229,7 @@
     </p:spTree>
     <p:extLst>
       <p:ext uri="{BB962C8B-B14F-4D97-AF65-F5344CB8AC3E}">
-        <p14:creationId xmlns:p14="http://schemas.microsoft.com/office/powerpoint/2010/main" val="1684568139"/>
+        <p14:creationId xmlns:p14="http://schemas.microsoft.com/office/powerpoint/2010/main" val="129273468"/>
       </p:ext>
     </p:extLst>
   </p:cSld>
@@ -4962,7 +5279,7 @@
           <a:p>
             <a:r>
               <a:rPr lang="zh-CN" altLang="en-US" sz="3200" dirty="0"/>
-              <a:t>代码之间的集成的最佳实践</a:t>
+              <a:t>写测试最佳实践</a:t>
             </a:r>
           </a:p>
         </p:txBody>
@@ -4981,8 +5298,8 @@
         </p:nvSpPr>
         <p:spPr>
           <a:xfrm>
-            <a:off x="649472" y="1181687"/>
-            <a:ext cx="10893055" cy="5262979"/>
+            <a:off x="649472" y="1468766"/>
+            <a:ext cx="10893055" cy="4401205"/>
           </a:xfrm>
           <a:prstGeom prst="rect">
             <a:avLst/>
@@ -4997,20 +5314,35 @@
           <a:p>
             <a:r>
               <a:rPr lang="en-US" altLang="zh-CN" sz="2800" b="1" dirty="0"/>
-              <a:t>1) </a:t>
+              <a:t>1. </a:t>
             </a:r>
             <a:r>
               <a:rPr lang="zh-CN" altLang="en-US" sz="2800" b="1" dirty="0"/>
-              <a:t>选择一条任务执行的路径，把用到的组件集成到一起进行测试</a:t>
+              <a:t>我们测试的目标是我们的代码，而不是外部依赖</a:t>
             </a:r>
             <a:endParaRPr lang="zh-CN" altLang="en-US" sz="2800" dirty="0"/>
           </a:p>
           <a:p>
             <a:r>
               <a:rPr lang="zh-CN" altLang="en-US" sz="2800" dirty="0"/>
-              <a:t>单元测试完善后，意味着每个组件都已经经过了测试。所以，集成测试的重点就不再是组件之间两两协同进行测试了。</a:t>
-            </a:r>
-            <a:endParaRPr lang="en-US" altLang="zh-CN" sz="2800" dirty="0"/>
+              <a:t>由于其它程序库「</a:t>
+            </a:r>
+            <a:r>
+              <a:rPr lang="en-US" altLang="zh-CN" sz="2800" dirty="0"/>
+              <a:t>JDK</a:t>
+            </a:r>
+            <a:r>
+              <a:rPr lang="zh-CN" altLang="en-US" sz="2800" dirty="0"/>
+              <a:t>、二方库、三方库、</a:t>
+            </a:r>
+            <a:r>
+              <a:rPr lang="en-US" altLang="zh-CN" sz="2800" dirty="0"/>
+              <a:t>RPC</a:t>
+            </a:r>
+            <a:r>
+              <a:rPr lang="zh-CN" altLang="en-US" sz="2800" dirty="0"/>
+              <a:t>等」造成难以测试的问题，我们可以做一层层薄薄的封装，然后，在覆盖率检查中忽略它。封装和忽略，缺一不可。</a:t>
+            </a:r>
           </a:p>
           <a:p>
             <a:endParaRPr lang="zh-CN" altLang="en-US" sz="2800" dirty="0"/>
@@ -5018,47 +5350,82 @@
           <a:p>
             <a:r>
               <a:rPr lang="en-US" altLang="zh-CN" sz="2800" b="1" dirty="0"/>
-              <a:t>2) </a:t>
+              <a:t>2. </a:t>
             </a:r>
             <a:r>
               <a:rPr lang="zh-CN" altLang="en-US" sz="2800" b="1" dirty="0"/>
-              <a:t>将框架集成进来，做一个完整的集成测试。</a:t>
+              <a:t>编写可测试的代码</a:t>
             </a:r>
             <a:endParaRPr lang="zh-CN" altLang="en-US" sz="2800" dirty="0"/>
           </a:p>
           <a:p>
-            <a:r>
-              <a:rPr lang="zh-CN" altLang="en-US" sz="2800" dirty="0"/>
-              <a:t>尽可能地去集成，尽可能接近真实场景。如果我们能够把整个框架集成起来，这些东西也就可以验证了。</a:t>
-            </a:r>
-            <a:endParaRPr lang="en-US" altLang="zh-CN" sz="2800" dirty="0"/>
+            <a:pPr marL="457200" indent="-457200">
+              <a:buFont typeface="Arial" panose="020B0604020202020204" pitchFamily="34" charset="0"/>
+              <a:buChar char="•"/>
+            </a:pPr>
+            <a:r>
+              <a:rPr lang="zh-CN" altLang="en-US" sz="2800" b="1" dirty="0"/>
+              <a:t>让自己的代码符合软件设计原则。</a:t>
+            </a:r>
+          </a:p>
+          <a:p>
+            <a:pPr marL="457200" indent="-457200">
+              <a:buFont typeface="Arial" panose="020B0604020202020204" pitchFamily="34" charset="0"/>
+              <a:buChar char="•"/>
+            </a:pPr>
+            <a:r>
+              <a:rPr lang="zh-CN" altLang="en-US" sz="2800" b="1" dirty="0"/>
+              <a:t>编写可组合的代码。</a:t>
+            </a:r>
+            <a:endParaRPr lang="en-US" altLang="zh-CN" sz="2800" b="1" dirty="0"/>
+          </a:p>
+          <a:p>
+            <a:r>
+              <a:rPr lang="zh-CN" altLang="en-US" sz="2800" dirty="0"/>
+              <a:t>  </a:t>
+            </a:r>
+            <a:r>
+              <a:rPr lang="en-US" altLang="zh-CN" sz="2800" dirty="0"/>
+              <a:t>- </a:t>
+            </a:r>
+            <a:r>
+              <a:rPr lang="zh-CN" altLang="en-US" sz="2800" dirty="0"/>
+              <a:t>不要在组件内部去创建对象，使用组件组装。</a:t>
+            </a:r>
+            <a:r>
+              <a:rPr lang="zh-CN" altLang="en-US" sz="2800" dirty="0">
+                <a:solidFill>
+                  <a:srgbClr val="FF0000"/>
+                </a:solidFill>
+              </a:rPr>
+              <a:t>如</a:t>
+            </a:r>
+            <a:r>
+              <a:rPr lang="en-US" altLang="zh-CN" sz="2800" dirty="0" err="1">
+                <a:solidFill>
+                  <a:srgbClr val="FF0000"/>
+                </a:solidFill>
+              </a:rPr>
+              <a:t>LELog</a:t>
+            </a:r>
+            <a:r>
+              <a:rPr lang="zh-CN" altLang="en-US" sz="2800" dirty="0">
+                <a:solidFill>
+                  <a:srgbClr val="FF0000"/>
+                </a:solidFill>
+              </a:rPr>
+              <a:t>工具类</a:t>
+            </a:r>
           </a:p>
           <a:p>
             <a:endParaRPr lang="zh-CN" altLang="en-US" sz="2800" dirty="0"/>
-          </a:p>
-          <a:p>
-            <a:r>
-              <a:rPr lang="en-US" altLang="zh-CN" sz="2800" b="1" dirty="0"/>
-              <a:t>3) </a:t>
-            </a:r>
-            <a:r>
-              <a:rPr lang="zh-CN" altLang="en-US" sz="2800" b="1" dirty="0"/>
-              <a:t>组件之间的集成逻辑，可不做单元测试</a:t>
-            </a:r>
-            <a:endParaRPr lang="zh-CN" altLang="en-US" sz="2800" dirty="0"/>
-          </a:p>
-          <a:p>
-            <a:r>
-              <a:rPr lang="zh-CN" altLang="en-US" sz="2800" dirty="0"/>
-              <a:t>这部分代码实际上只是对业务逻辑做一个简单的封装，主要工作是信息的转发，这会是非常薄的一层。出于实用的考虑，在这里用集成测试代替单元测试，简化测试的编写。</a:t>
-            </a:r>
           </a:p>
         </p:txBody>
       </p:sp>
     </p:spTree>
     <p:extLst>
       <p:ext uri="{BB962C8B-B14F-4D97-AF65-F5344CB8AC3E}">
-        <p14:creationId xmlns:p14="http://schemas.microsoft.com/office/powerpoint/2010/main" val="129273468"/>
+        <p14:creationId xmlns:p14="http://schemas.microsoft.com/office/powerpoint/2010/main" val="2629419828"/>
       </p:ext>
     </p:extLst>
   </p:cSld>
@@ -5085,41 +5452,12 @@
           <a:chExt cx="0" cy="0"/>
         </a:xfrm>
       </p:grpSpPr>
-      <p:pic>
-        <p:nvPicPr>
-          <p:cNvPr id="5" name="图片 4">
-            <a:extLst>
-              <a:ext uri="{FF2B5EF4-FFF2-40B4-BE49-F238E27FC236}">
-                <a16:creationId xmlns:a16="http://schemas.microsoft.com/office/drawing/2014/main" id="{179D93E6-136C-4AAB-B717-53C7DB3A17E9}"/>
-              </a:ext>
-            </a:extLst>
-          </p:cNvPr>
-          <p:cNvPicPr>
-            <a:picLocks noChangeAspect="1"/>
-          </p:cNvPicPr>
-          <p:nvPr/>
-        </p:nvPicPr>
-        <p:blipFill rotWithShape="1">
-          <a:blip r:embed="rId2"/>
-          <a:srcRect l="25037" r="23975"/>
-          <a:stretch/>
-        </p:blipFill>
-        <p:spPr>
-          <a:xfrm>
-            <a:off x="4697235" y="2467963"/>
-            <a:ext cx="3875568" cy="4390037"/>
-          </a:xfrm>
-          <a:prstGeom prst="rect">
-            <a:avLst/>
-          </a:prstGeom>
-        </p:spPr>
-      </p:pic>
       <p:sp>
         <p:nvSpPr>
           <p:cNvPr id="2" name="标题 1">
             <a:extLst>
               <a:ext uri="{FF2B5EF4-FFF2-40B4-BE49-F238E27FC236}">
-                <a16:creationId xmlns:a16="http://schemas.microsoft.com/office/drawing/2014/main" id="{35F0ACFF-60AB-4ACD-840E-BB2487271F91}"/>
+                <a16:creationId xmlns:a16="http://schemas.microsoft.com/office/drawing/2014/main" id="{3DB87EED-AF0E-4192-A638-4328D6269726}"/>
               </a:ext>
             </a:extLst>
           </p:cNvPr>
@@ -5136,107 +5474,470 @@
           <a:lstStyle/>
           <a:p>
             <a:r>
-              <a:rPr lang="zh-CN" altLang="en-US" sz="3200" dirty="0"/>
-              <a:t>测试配比模型 </a:t>
-            </a:r>
-            <a:r>
-              <a:rPr lang="en-US" altLang="zh-CN" sz="3200" dirty="0"/>
-              <a:t>-</a:t>
-            </a:r>
-            <a:r>
-              <a:rPr lang="zh-CN" altLang="en-US" sz="3200" dirty="0"/>
-              <a:t>冰淇淋蛋卷 </a:t>
-            </a:r>
-            <a:r>
-              <a:rPr lang="en-US" altLang="zh-CN" sz="3200" dirty="0"/>
-              <a:t>VS</a:t>
-            </a:r>
-            <a:r>
-              <a:rPr lang="zh-CN" altLang="en-US" sz="3200" dirty="0"/>
-              <a:t>测试金字塔</a:t>
-            </a:r>
-            <a:br>
-              <a:rPr lang="zh-CN" altLang="en-US" sz="3200" dirty="0"/>
-            </a:br>
-            <a:endParaRPr lang="zh-CN" altLang="en-US" sz="3200" dirty="0"/>
+              <a:rPr lang="zh-CN" altLang="en-US" dirty="0"/>
+              <a:t>演示版架构图</a:t>
+            </a:r>
           </a:p>
         </p:txBody>
       </p:sp>
-      <p:sp>
-        <p:nvSpPr>
-          <p:cNvPr id="7" name="文本框 6">
+      <p:grpSp>
+        <p:nvGrpSpPr>
+          <p:cNvPr id="26" name="组合 25">
             <a:extLst>
               <a:ext uri="{FF2B5EF4-FFF2-40B4-BE49-F238E27FC236}">
-                <a16:creationId xmlns:a16="http://schemas.microsoft.com/office/drawing/2014/main" id="{335298A9-CA67-4DE8-A8E4-3F2ADA0186A8}"/>
+                <a16:creationId xmlns:a16="http://schemas.microsoft.com/office/drawing/2014/main" id="{B32664DD-7FED-48E0-881D-510214DE769A}"/>
               </a:ext>
             </a:extLst>
           </p:cNvPr>
-          <p:cNvSpPr txBox="1"/>
+          <p:cNvGrpSpPr/>
           <p:nvPr/>
-        </p:nvSpPr>
-        <p:spPr>
+        </p:nvGrpSpPr>
+        <p:grpSpPr>
           <a:xfrm>
-            <a:off x="420872" y="1710014"/>
-            <a:ext cx="5272863" cy="1384995"/>
+            <a:off x="1279589" y="1545459"/>
+            <a:ext cx="8351555" cy="4181953"/>
+            <a:chOff x="1279589" y="1545459"/>
+            <a:chExt cx="8351555" cy="4181953"/>
           </a:xfrm>
-          <a:prstGeom prst="rect">
-            <a:avLst/>
-          </a:prstGeom>
-          <a:noFill/>
-        </p:spPr>
-        <p:txBody>
-          <a:bodyPr wrap="square">
-            <a:spAutoFit/>
-          </a:bodyPr>
-          <a:lstStyle>
-            <a:defPPr>
-              <a:defRPr lang="zh-CN"/>
-            </a:defPPr>
-            <a:lvl1pPr>
-              <a:defRPr sz="2800"/>
-            </a:lvl1pPr>
-          </a:lstStyle>
-          <a:p>
-            <a:r>
-              <a:rPr lang="zh-CN" altLang="en-US" dirty="0"/>
-              <a:t>在冰淇淋蛋卷模型里，主力就是高层测试，低层测试只是作为高层测试的补充</a:t>
-            </a:r>
-          </a:p>
-        </p:txBody>
-      </p:sp>
-      <p:pic>
-        <p:nvPicPr>
-          <p:cNvPr id="9" name="图片 8">
-            <a:extLst>
-              <a:ext uri="{FF2B5EF4-FFF2-40B4-BE49-F238E27FC236}">
-                <a16:creationId xmlns:a16="http://schemas.microsoft.com/office/drawing/2014/main" id="{24E373D8-8888-453F-A3D1-20C2940CC0EA}"/>
-              </a:ext>
-            </a:extLst>
-          </p:cNvPr>
-          <p:cNvPicPr>
-            <a:picLocks noChangeAspect="1"/>
-          </p:cNvPicPr>
-          <p:nvPr/>
-        </p:nvPicPr>
-        <p:blipFill rotWithShape="1">
-          <a:blip r:embed="rId3"/>
-          <a:srcRect l="30504" r="27037"/>
-          <a:stretch/>
-        </p:blipFill>
-        <p:spPr>
-          <a:xfrm>
-            <a:off x="8572803" y="2697812"/>
-            <a:ext cx="3619197" cy="4160188"/>
-          </a:xfrm>
-          <a:prstGeom prst="rect">
-            <a:avLst/>
-          </a:prstGeom>
-        </p:spPr>
-      </p:pic>
+        </p:grpSpPr>
+        <p:pic>
+          <p:nvPicPr>
+            <p:cNvPr id="15" name="图片 14">
+              <a:extLst>
+                <a:ext uri="{FF2B5EF4-FFF2-40B4-BE49-F238E27FC236}">
+                  <a16:creationId xmlns:a16="http://schemas.microsoft.com/office/drawing/2014/main" id="{F23AE2D6-3FE1-4F4D-96BB-43A796B54E06}"/>
+                </a:ext>
+              </a:extLst>
+            </p:cNvPr>
+            <p:cNvPicPr>
+              <a:picLocks noChangeAspect="1"/>
+            </p:cNvPicPr>
+            <p:nvPr/>
+          </p:nvPicPr>
+          <p:blipFill>
+            <a:blip r:embed="rId2">
+              <a:extLst>
+                <a:ext uri="{28A0092B-C50C-407E-A947-70E740481C1C}">
+                  <a14:useLocalDpi xmlns:a14="http://schemas.microsoft.com/office/drawing/2010/main" val="0"/>
+                </a:ext>
+              </a:extLst>
+            </a:blip>
+            <a:stretch>
+              <a:fillRect/>
+            </a:stretch>
+          </p:blipFill>
+          <p:spPr>
+            <a:xfrm>
+              <a:off x="3278347" y="4256650"/>
+              <a:ext cx="828989" cy="828989"/>
+            </a:xfrm>
+            <a:prstGeom prst="rect">
+              <a:avLst/>
+            </a:prstGeom>
+          </p:spPr>
+        </p:pic>
+        <p:pic>
+          <p:nvPicPr>
+            <p:cNvPr id="16" name="图片 15">
+              <a:extLst>
+                <a:ext uri="{FF2B5EF4-FFF2-40B4-BE49-F238E27FC236}">
+                  <a16:creationId xmlns:a16="http://schemas.microsoft.com/office/drawing/2014/main" id="{8BE77A5D-E374-45D3-BB89-BC12E624EF69}"/>
+                </a:ext>
+              </a:extLst>
+            </p:cNvPr>
+            <p:cNvPicPr>
+              <a:picLocks noChangeAspect="1"/>
+            </p:cNvPicPr>
+            <p:nvPr/>
+          </p:nvPicPr>
+          <p:blipFill>
+            <a:blip r:embed="rId3">
+              <a:extLst>
+                <a:ext uri="{28A0092B-C50C-407E-A947-70E740481C1C}">
+                  <a14:useLocalDpi xmlns:a14="http://schemas.microsoft.com/office/drawing/2010/main" val="0"/>
+                </a:ext>
+              </a:extLst>
+            </a:blip>
+            <a:stretch>
+              <a:fillRect/>
+            </a:stretch>
+          </p:blipFill>
+          <p:spPr>
+            <a:xfrm>
+              <a:off x="5040802" y="4292678"/>
+              <a:ext cx="828990" cy="828990"/>
+            </a:xfrm>
+            <a:prstGeom prst="rect">
+              <a:avLst/>
+            </a:prstGeom>
+          </p:spPr>
+        </p:pic>
+        <p:sp>
+          <p:nvSpPr>
+            <p:cNvPr id="17" name="文本框 16">
+              <a:extLst>
+                <a:ext uri="{FF2B5EF4-FFF2-40B4-BE49-F238E27FC236}">
+                  <a16:creationId xmlns:a16="http://schemas.microsoft.com/office/drawing/2014/main" id="{97E0721B-890A-451E-847B-CC56BB8E71BB}"/>
+                </a:ext>
+              </a:extLst>
+            </p:cNvPr>
+            <p:cNvSpPr txBox="1"/>
+            <p:nvPr/>
+          </p:nvSpPr>
+          <p:spPr>
+            <a:xfrm>
+              <a:off x="1279589" y="4256649"/>
+              <a:ext cx="2054308" cy="954107"/>
+            </a:xfrm>
+            <a:prstGeom prst="rect">
+              <a:avLst/>
+            </a:prstGeom>
+            <a:noFill/>
+          </p:spPr>
+          <p:txBody>
+            <a:bodyPr wrap="square" rtlCol="0">
+              <a:spAutoFit/>
+            </a:bodyPr>
+            <a:lstStyle/>
+            <a:p>
+              <a:pPr algn="ctr"/>
+              <a:r>
+                <a:rPr lang="zh-CN" altLang="en-US" sz="2800" dirty="0"/>
+                <a:t>外部依赖</a:t>
+              </a:r>
+              <a:endParaRPr lang="en-US" altLang="zh-CN" sz="2800" dirty="0"/>
+            </a:p>
+            <a:p>
+              <a:pPr algn="ctr"/>
+              <a:r>
+                <a:rPr lang="zh-CN" altLang="en-US" sz="2800" dirty="0"/>
+                <a:t>应用</a:t>
+              </a:r>
+            </a:p>
+          </p:txBody>
+        </p:sp>
+        <p:sp>
+          <p:nvSpPr>
+            <p:cNvPr id="18" name="文本框 17">
+              <a:extLst>
+                <a:ext uri="{FF2B5EF4-FFF2-40B4-BE49-F238E27FC236}">
+                  <a16:creationId xmlns:a16="http://schemas.microsoft.com/office/drawing/2014/main" id="{E52D0DCA-C1A8-49F0-ABD3-DB762154A514}"/>
+                </a:ext>
+              </a:extLst>
+            </p:cNvPr>
+            <p:cNvSpPr txBox="1"/>
+            <p:nvPr/>
+          </p:nvSpPr>
+          <p:spPr>
+            <a:xfrm>
+              <a:off x="4858912" y="5204192"/>
+              <a:ext cx="1559728" cy="523220"/>
+            </a:xfrm>
+            <a:prstGeom prst="rect">
+              <a:avLst/>
+            </a:prstGeom>
+            <a:noFill/>
+          </p:spPr>
+          <p:txBody>
+            <a:bodyPr wrap="square" rtlCol="0">
+              <a:spAutoFit/>
+            </a:bodyPr>
+            <a:lstStyle/>
+            <a:p>
+              <a:r>
+                <a:rPr lang="en-US" altLang="zh-CN" sz="2800" dirty="0"/>
+                <a:t>MySQL</a:t>
+              </a:r>
+            </a:p>
+          </p:txBody>
+        </p:sp>
+        <p:cxnSp>
+          <p:nvCxnSpPr>
+            <p:cNvPr id="19" name="连接符: 肘形 18">
+              <a:extLst>
+                <a:ext uri="{FF2B5EF4-FFF2-40B4-BE49-F238E27FC236}">
+                  <a16:creationId xmlns:a16="http://schemas.microsoft.com/office/drawing/2014/main" id="{5506A63D-4381-4C36-8E83-0A91AC436A62}"/>
+                </a:ext>
+              </a:extLst>
+            </p:cNvPr>
+            <p:cNvCxnSpPr>
+              <a:cxnSpLocks/>
+              <a:stCxn id="22" idx="2"/>
+              <a:endCxn id="15" idx="0"/>
+            </p:cNvCxnSpPr>
+            <p:nvPr/>
+          </p:nvCxnSpPr>
+          <p:spPr>
+            <a:xfrm rot="5400000">
+              <a:off x="3970104" y="2773290"/>
+              <a:ext cx="1206098" cy="1760622"/>
+            </a:xfrm>
+            <a:prstGeom prst="bentConnector3">
+              <a:avLst>
+                <a:gd name="adj1" fmla="val 50000"/>
+              </a:avLst>
+            </a:prstGeom>
+            <a:ln w="12700">
+              <a:tailEnd type="triangle" w="lg" len="lg"/>
+            </a:ln>
+          </p:spPr>
+          <p:style>
+            <a:lnRef idx="1">
+              <a:schemeClr val="dk1"/>
+            </a:lnRef>
+            <a:fillRef idx="0">
+              <a:schemeClr val="dk1"/>
+            </a:fillRef>
+            <a:effectRef idx="0">
+              <a:schemeClr val="dk1"/>
+            </a:effectRef>
+            <a:fontRef idx="minor">
+              <a:schemeClr val="tx1"/>
+            </a:fontRef>
+          </p:style>
+        </p:cxnSp>
+        <p:cxnSp>
+          <p:nvCxnSpPr>
+            <p:cNvPr id="20" name="连接符: 肘形 19">
+              <a:extLst>
+                <a:ext uri="{FF2B5EF4-FFF2-40B4-BE49-F238E27FC236}">
+                  <a16:creationId xmlns:a16="http://schemas.microsoft.com/office/drawing/2014/main" id="{057695EF-E4F9-491A-8BF5-BBB97B8DAACE}"/>
+                </a:ext>
+              </a:extLst>
+            </p:cNvPr>
+            <p:cNvCxnSpPr>
+              <a:cxnSpLocks/>
+              <a:stCxn id="22" idx="2"/>
+              <a:endCxn id="25" idx="0"/>
+            </p:cNvCxnSpPr>
+            <p:nvPr/>
+          </p:nvCxnSpPr>
+          <p:spPr>
+            <a:xfrm rot="16200000" flipH="1">
+              <a:off x="5743511" y="2760504"/>
+              <a:ext cx="1203332" cy="1783427"/>
+            </a:xfrm>
+            <a:prstGeom prst="bentConnector3">
+              <a:avLst>
+                <a:gd name="adj1" fmla="val 50000"/>
+              </a:avLst>
+            </a:prstGeom>
+            <a:ln w="12700">
+              <a:tailEnd type="triangle" w="lg" len="lg"/>
+            </a:ln>
+          </p:spPr>
+          <p:style>
+            <a:lnRef idx="1">
+              <a:schemeClr val="dk1"/>
+            </a:lnRef>
+            <a:fillRef idx="0">
+              <a:schemeClr val="dk1"/>
+            </a:fillRef>
+            <a:effectRef idx="0">
+              <a:schemeClr val="dk1"/>
+            </a:effectRef>
+            <a:fontRef idx="minor">
+              <a:schemeClr val="tx1"/>
+            </a:fontRef>
+          </p:style>
+        </p:cxnSp>
+        <p:sp>
+          <p:nvSpPr>
+            <p:cNvPr id="21" name="文本框 20">
+              <a:extLst>
+                <a:ext uri="{FF2B5EF4-FFF2-40B4-BE49-F238E27FC236}">
+                  <a16:creationId xmlns:a16="http://schemas.microsoft.com/office/drawing/2014/main" id="{A21FEF5D-08C1-4E92-8149-4C80E070F92D}"/>
+                </a:ext>
+              </a:extLst>
+            </p:cNvPr>
+            <p:cNvSpPr txBox="1"/>
+            <p:nvPr/>
+          </p:nvSpPr>
+          <p:spPr>
+            <a:xfrm>
+              <a:off x="4189718" y="1545459"/>
+              <a:ext cx="2898116" cy="523220"/>
+            </a:xfrm>
+            <a:prstGeom prst="rect">
+              <a:avLst/>
+            </a:prstGeom>
+            <a:noFill/>
+          </p:spPr>
+          <p:txBody>
+            <a:bodyPr wrap="square" rtlCol="0">
+              <a:spAutoFit/>
+            </a:bodyPr>
+            <a:lstStyle/>
+            <a:p>
+              <a:r>
+                <a:rPr lang="en-US" altLang="zh-CN" sz="2800" dirty="0"/>
+                <a:t>Spring Boot </a:t>
+              </a:r>
+              <a:r>
+                <a:rPr lang="zh-CN" altLang="en-US" sz="2800" dirty="0"/>
+                <a:t>服务</a:t>
+              </a:r>
+            </a:p>
+          </p:txBody>
+        </p:sp>
+        <p:pic>
+          <p:nvPicPr>
+            <p:cNvPr id="22" name="图片 21">
+              <a:extLst>
+                <a:ext uri="{FF2B5EF4-FFF2-40B4-BE49-F238E27FC236}">
+                  <a16:creationId xmlns:a16="http://schemas.microsoft.com/office/drawing/2014/main" id="{428340B9-490E-4413-A12B-DDC76A298179}"/>
+                </a:ext>
+              </a:extLst>
+            </p:cNvPr>
+            <p:cNvPicPr>
+              <a:picLocks noChangeAspect="1"/>
+            </p:cNvPicPr>
+            <p:nvPr/>
+          </p:nvPicPr>
+          <p:blipFill>
+            <a:blip r:embed="rId2">
+              <a:extLst>
+                <a:ext uri="{28A0092B-C50C-407E-A947-70E740481C1C}">
+                  <a14:useLocalDpi xmlns:a14="http://schemas.microsoft.com/office/drawing/2010/main" val="0"/>
+                </a:ext>
+              </a:extLst>
+            </a:blip>
+            <a:stretch>
+              <a:fillRect/>
+            </a:stretch>
+          </p:blipFill>
+          <p:spPr>
+            <a:xfrm>
+              <a:off x="5038969" y="2221563"/>
+              <a:ext cx="828989" cy="828989"/>
+            </a:xfrm>
+            <a:prstGeom prst="rect">
+              <a:avLst/>
+            </a:prstGeom>
+          </p:spPr>
+        </p:pic>
+        <p:sp>
+          <p:nvSpPr>
+            <p:cNvPr id="23" name="文本框 22">
+              <a:extLst>
+                <a:ext uri="{FF2B5EF4-FFF2-40B4-BE49-F238E27FC236}">
+                  <a16:creationId xmlns:a16="http://schemas.microsoft.com/office/drawing/2014/main" id="{AADF9FE7-9A82-4854-BD39-8F699B93A582}"/>
+                </a:ext>
+              </a:extLst>
+            </p:cNvPr>
+            <p:cNvSpPr txBox="1"/>
+            <p:nvPr/>
+          </p:nvSpPr>
+          <p:spPr>
+            <a:xfrm>
+              <a:off x="7576836" y="4445563"/>
+              <a:ext cx="2054308" cy="523220"/>
+            </a:xfrm>
+            <a:prstGeom prst="rect">
+              <a:avLst/>
+            </a:prstGeom>
+            <a:noFill/>
+          </p:spPr>
+          <p:txBody>
+            <a:bodyPr wrap="square" rtlCol="0">
+              <a:spAutoFit/>
+            </a:bodyPr>
+            <a:lstStyle/>
+            <a:p>
+              <a:pPr algn="ctr"/>
+              <a:r>
+                <a:rPr lang="zh-CN" altLang="en-US" sz="2800" dirty="0"/>
+                <a:t>配置中心</a:t>
+              </a:r>
+            </a:p>
+          </p:txBody>
+        </p:sp>
+        <p:cxnSp>
+          <p:nvCxnSpPr>
+            <p:cNvPr id="24" name="连接符: 肘形 23">
+              <a:extLst>
+                <a:ext uri="{FF2B5EF4-FFF2-40B4-BE49-F238E27FC236}">
+                  <a16:creationId xmlns:a16="http://schemas.microsoft.com/office/drawing/2014/main" id="{3C3E9385-1F42-405F-928E-6F9EE4448965}"/>
+                </a:ext>
+              </a:extLst>
+            </p:cNvPr>
+            <p:cNvCxnSpPr>
+              <a:cxnSpLocks/>
+              <a:stCxn id="22" idx="2"/>
+              <a:endCxn id="16" idx="0"/>
+            </p:cNvCxnSpPr>
+            <p:nvPr/>
+          </p:nvCxnSpPr>
+          <p:spPr>
+            <a:xfrm rot="16200000" flipH="1">
+              <a:off x="4833317" y="3670698"/>
+              <a:ext cx="1242126" cy="1833"/>
+            </a:xfrm>
+            <a:prstGeom prst="bentConnector3">
+              <a:avLst>
+                <a:gd name="adj1" fmla="val 50000"/>
+              </a:avLst>
+            </a:prstGeom>
+            <a:ln w="12700">
+              <a:tailEnd type="triangle" w="lg" len="lg"/>
+            </a:ln>
+          </p:spPr>
+          <p:style>
+            <a:lnRef idx="1">
+              <a:schemeClr val="dk1"/>
+            </a:lnRef>
+            <a:fillRef idx="0">
+              <a:schemeClr val="dk1"/>
+            </a:fillRef>
+            <a:effectRef idx="0">
+              <a:schemeClr val="dk1"/>
+            </a:effectRef>
+            <a:fontRef idx="minor">
+              <a:schemeClr val="tx1"/>
+            </a:fontRef>
+          </p:style>
+        </p:cxnSp>
+        <p:pic>
+          <p:nvPicPr>
+            <p:cNvPr id="25" name="图片 24">
+              <a:extLst>
+                <a:ext uri="{FF2B5EF4-FFF2-40B4-BE49-F238E27FC236}">
+                  <a16:creationId xmlns:a16="http://schemas.microsoft.com/office/drawing/2014/main" id="{7FB95D22-26A6-4FBB-AC0D-2D57FF37ABCB}"/>
+                </a:ext>
+              </a:extLst>
+            </p:cNvPr>
+            <p:cNvPicPr>
+              <a:picLocks noChangeAspect="1"/>
+            </p:cNvPicPr>
+            <p:nvPr/>
+          </p:nvPicPr>
+          <p:blipFill>
+            <a:blip r:embed="rId4">
+              <a:extLst>
+                <a:ext uri="{28A0092B-C50C-407E-A947-70E740481C1C}">
+                  <a14:useLocalDpi xmlns:a14="http://schemas.microsoft.com/office/drawing/2010/main" val="0"/>
+                </a:ext>
+              </a:extLst>
+            </a:blip>
+            <a:stretch>
+              <a:fillRect/>
+            </a:stretch>
+          </p:blipFill>
+          <p:spPr>
+            <a:xfrm>
+              <a:off x="6822396" y="4253884"/>
+              <a:ext cx="828990" cy="828990"/>
+            </a:xfrm>
+            <a:prstGeom prst="rect">
+              <a:avLst/>
+            </a:prstGeom>
+          </p:spPr>
+        </p:pic>
+      </p:grpSp>
     </p:spTree>
     <p:extLst>
       <p:ext uri="{BB962C8B-B14F-4D97-AF65-F5344CB8AC3E}">
-        <p14:creationId xmlns:p14="http://schemas.microsoft.com/office/powerpoint/2010/main" val="2367759749"/>
+        <p14:creationId xmlns:p14="http://schemas.microsoft.com/office/powerpoint/2010/main" val="2313279004"/>
       </p:ext>
     </p:extLst>
   </p:cSld>
@@ -5286,17 +5987,30 @@
           <a:p>
             <a:r>
               <a:rPr lang="zh-CN" altLang="en-US" sz="3200" dirty="0"/>
-              <a:t>最佳实践</a:t>
-            </a:r>
+              <a:t>技术选型分析 </a:t>
+            </a:r>
+            <a:r>
+              <a:rPr lang="en-US" altLang="zh-CN" sz="3200" dirty="0"/>
+              <a:t>-</a:t>
+            </a:r>
+            <a:r>
+              <a:rPr lang="zh-CN" altLang="en-US" sz="3200" dirty="0"/>
+              <a:t> </a:t>
+            </a:r>
+            <a:r>
+              <a:rPr lang="zh-CN" altLang="en-US" dirty="0"/>
+              <a:t>数据库</a:t>
+            </a:r>
+            <a:endParaRPr lang="zh-CN" altLang="en-US" sz="3200" dirty="0"/>
           </a:p>
         </p:txBody>
       </p:sp>
       <p:sp>
         <p:nvSpPr>
-          <p:cNvPr id="4" name="文本框 3">
+          <p:cNvPr id="9" name="文本框 8">
             <a:extLst>
               <a:ext uri="{FF2B5EF4-FFF2-40B4-BE49-F238E27FC236}">
-                <a16:creationId xmlns:a16="http://schemas.microsoft.com/office/drawing/2014/main" id="{FFC60129-3D0D-4884-95A5-D99DB37DC724}"/>
+                <a16:creationId xmlns:a16="http://schemas.microsoft.com/office/drawing/2014/main" id="{61858563-9BA1-474D-912D-FD83053C3A7E}"/>
               </a:ext>
             </a:extLst>
           </p:cNvPr>
@@ -5305,8 +6019,8 @@
         </p:nvSpPr>
         <p:spPr>
           <a:xfrm>
-            <a:off x="649472" y="1787743"/>
-            <a:ext cx="10893055" cy="3539430"/>
+            <a:off x="669850" y="1181687"/>
+            <a:ext cx="10728251" cy="4832092"/>
           </a:xfrm>
           <a:prstGeom prst="rect">
             <a:avLst/>
@@ -5319,13 +6033,31 @@
           </a:bodyPr>
           <a:lstStyle/>
           <a:p>
+            <a:pPr marL="457200" indent="-457200">
+              <a:buFont typeface="Arial" panose="020B0604020202020204" pitchFamily="34" charset="0"/>
+              <a:buChar char="•"/>
+            </a:pPr>
             <a:r>
               <a:rPr lang="zh-CN" altLang="en-US" sz="2800" b="1" dirty="0"/>
-              <a:t>新项目：</a:t>
-            </a:r>
-            <a:r>
-              <a:rPr lang="zh-CN" altLang="en-US" sz="2800" dirty="0"/>
-              <a:t>采用测试金字塔模型，一层一层地写测试。每完成一个功能，代码和测试总是同步写出来的，代码总是得到验证的，这样我们就可以稳步向前。</a:t>
+              <a:t>使用嵌入式内存数据库：</a:t>
+            </a:r>
+            <a:r>
+              <a:rPr lang="zh-CN" altLang="en-US" sz="2800" dirty="0"/>
+              <a:t>可断网执行，无需事务回滚，但可能遇到SQL不兼容的风险。</a:t>
+            </a:r>
+          </a:p>
+          <a:p>
+            <a:pPr marL="457200" indent="-457200">
+              <a:buFont typeface="Arial" panose="020B0604020202020204" pitchFamily="34" charset="0"/>
+              <a:buChar char="•"/>
+            </a:pPr>
+            <a:r>
+              <a:rPr lang="zh-CN" altLang="en-US" sz="2800" b="1" dirty="0"/>
+              <a:t>使用事务回滚的机制：</a:t>
+            </a:r>
+            <a:r>
+              <a:rPr lang="zh-CN" altLang="en-US" sz="2800" dirty="0"/>
+              <a:t>我们的代码面对的是同样的数据库引擎，不必担心 SQL 不兼容的问题。</a:t>
             </a:r>
           </a:p>
           <a:p>
@@ -5334,11 +6066,46 @@
           <a:p>
             <a:r>
               <a:rPr lang="zh-CN" altLang="en-US" sz="2800" b="1" dirty="0"/>
-              <a:t>遗留项目：</a:t>
-            </a:r>
-            <a:r>
-              <a:rPr lang="zh-CN" altLang="en-US" sz="2800" dirty="0"/>
-              <a:t>从系统测试入手，只要写上一些高层测试，就能够覆盖到系统的大部分功能，能够快速地建立起安全网，属于“投资少见效快”的做法。在有了一个安全网的底线之后，我们还是要向测试金字塔方向前进，以单元测试作为整体的基础。</a:t>
+              <a:t>选型原则</a:t>
+            </a:r>
+            <a:endParaRPr lang="zh-CN" altLang="en-US" sz="2800" dirty="0"/>
+          </a:p>
+          <a:p>
+            <a:r>
+              <a:rPr lang="zh-CN" altLang="en-US" sz="2800" dirty="0"/>
+              <a:t>核心诉求是断网执行，所以选择「嵌入式内存数据库」</a:t>
+            </a:r>
+            <a:endParaRPr lang="en-US" altLang="zh-CN" sz="2800" dirty="0"/>
+          </a:p>
+          <a:p>
+            <a:endParaRPr lang="zh-CN" altLang="en-US" sz="2800" dirty="0"/>
+          </a:p>
+          <a:p>
+            <a:r>
+              <a:rPr lang="zh-CN" altLang="en-US" sz="2800" b="1" dirty="0"/>
+              <a:t>选型结果</a:t>
+            </a:r>
+            <a:endParaRPr lang="zh-CN" altLang="en-US" sz="2800" dirty="0"/>
+          </a:p>
+          <a:p>
+            <a:r>
+              <a:rPr lang="zh-CN" altLang="en-US" sz="2800" dirty="0"/>
+              <a:t>对H2、MariaDB4j、Testcontainers对比分析</a:t>
+            </a:r>
+            <a:endParaRPr lang="en-US" altLang="zh-CN" sz="2800" dirty="0"/>
+          </a:p>
+          <a:p>
+            <a:r>
+              <a:rPr lang="zh-CN" altLang="en-US" sz="2800" dirty="0"/>
+              <a:t>选择MariaDB4</a:t>
+            </a:r>
+            <a:r>
+              <a:rPr lang="en-US" altLang="zh-CN" sz="2800" dirty="0"/>
+              <a:t>j</a:t>
+            </a:r>
+            <a:r>
+              <a:rPr lang="zh-CN" altLang="en-US" sz="2800" dirty="0"/>
+              <a:t>。</a:t>
             </a:r>
           </a:p>
         </p:txBody>
@@ -5346,7 +6113,7 @@
     </p:spTree>
     <p:extLst>
       <p:ext uri="{BB962C8B-B14F-4D97-AF65-F5344CB8AC3E}">
-        <p14:creationId xmlns:p14="http://schemas.microsoft.com/office/powerpoint/2010/main" val="171421351"/>
+        <p14:creationId xmlns:p14="http://schemas.microsoft.com/office/powerpoint/2010/main" val="109047950"/>
       </p:ext>
     </p:extLst>
   </p:cSld>

--- a/learning/流程引擎断网环境下集成测试的实践/分享/流程引擎断网环境下集成测试的实践.pptx
+++ b/learning/流程引擎断网环境下集成测试的实践/分享/流程引擎断网环境下集成测试的实践.pptx
@@ -232,7 +232,7 @@
           <a:p>
             <a:fld id="{700EB4B2-3E24-2640-903D-5CC394B41686}" type="datetimeFigureOut">
               <a:rPr kumimoji="1" lang="zh-CN" altLang="en-US" smtClean="0"/>
-              <a:t>2022/2/21</a:t>
+              <a:t>2022/2/22</a:t>
             </a:fld>
             <a:endParaRPr kumimoji="1" lang="zh-CN" altLang="en-US"/>
           </a:p>
@@ -409,7 +409,7 @@
           <a:p>
             <a:fld id="{A65F9627-3C60-D447-9325-1C07DB8472C3}" type="datetimeFigureOut">
               <a:rPr kumimoji="1" lang="zh-CN" altLang="en-US" smtClean="0"/>
-              <a:t>2022/2/21</a:t>
+              <a:t>2022/2/22</a:t>
             </a:fld>
             <a:endParaRPr kumimoji="1" lang="zh-CN" altLang="en-US"/>
           </a:p>
@@ -1354,7 +1354,7 @@
           <a:p>
             <a:fld id="{7D4DE4AB-7959-4BB6-B551-E3080EF2268D}" type="datetimeFigureOut">
               <a:rPr lang="zh-CN" altLang="en-US" smtClean="0"/>
-              <a:t>2022/2/21</a:t>
+              <a:t>2022/2/22</a:t>
             </a:fld>
             <a:endParaRPr lang="zh-CN" altLang="en-US"/>
           </a:p>
